--- a/figures/Ex Fig 3.pptx
+++ b/figures/Ex Fig 3.pptx
@@ -197,7 +197,7 @@
           <a:p>
             <a:fld id="{B19977C2-3852-6343-8FB6-75798599EF47}" type="datetimeFigureOut">
               <a:rPr lang="en-US" smtClean="0"/>
-              <a:t>9/5/24</a:t>
+              <a:t>9/6/24</a:t>
             </a:fld>
             <a:endParaRPr lang="en-US"/>
           </a:p>
@@ -684,7 +684,7 @@
           <a:p>
             <a:fld id="{49D16157-31ED-214D-A6E8-583A2FDE31BF}" type="datetimeFigureOut">
               <a:rPr lang="en-US" smtClean="0"/>
-              <a:t>9/5/24</a:t>
+              <a:t>9/6/24</a:t>
             </a:fld>
             <a:endParaRPr lang="en-US"/>
           </a:p>
@@ -854,7 +854,7 @@
           <a:p>
             <a:fld id="{49D16157-31ED-214D-A6E8-583A2FDE31BF}" type="datetimeFigureOut">
               <a:rPr lang="en-US" smtClean="0"/>
-              <a:t>9/5/24</a:t>
+              <a:t>9/6/24</a:t>
             </a:fld>
             <a:endParaRPr lang="en-US"/>
           </a:p>
@@ -1034,7 +1034,7 @@
           <a:p>
             <a:fld id="{49D16157-31ED-214D-A6E8-583A2FDE31BF}" type="datetimeFigureOut">
               <a:rPr lang="en-US" smtClean="0"/>
-              <a:t>9/5/24</a:t>
+              <a:t>9/6/24</a:t>
             </a:fld>
             <a:endParaRPr lang="en-US"/>
           </a:p>
@@ -1204,7 +1204,7 @@
           <a:p>
             <a:fld id="{49D16157-31ED-214D-A6E8-583A2FDE31BF}" type="datetimeFigureOut">
               <a:rPr lang="en-US" smtClean="0"/>
-              <a:t>9/5/24</a:t>
+              <a:t>9/6/24</a:t>
             </a:fld>
             <a:endParaRPr lang="en-US"/>
           </a:p>
@@ -1450,7 +1450,7 @@
           <a:p>
             <a:fld id="{49D16157-31ED-214D-A6E8-583A2FDE31BF}" type="datetimeFigureOut">
               <a:rPr lang="en-US" smtClean="0"/>
-              <a:t>9/5/24</a:t>
+              <a:t>9/6/24</a:t>
             </a:fld>
             <a:endParaRPr lang="en-US"/>
           </a:p>
@@ -1682,7 +1682,7 @@
           <a:p>
             <a:fld id="{49D16157-31ED-214D-A6E8-583A2FDE31BF}" type="datetimeFigureOut">
               <a:rPr lang="en-US" smtClean="0"/>
-              <a:t>9/5/24</a:t>
+              <a:t>9/6/24</a:t>
             </a:fld>
             <a:endParaRPr lang="en-US"/>
           </a:p>
@@ -2049,7 +2049,7 @@
           <a:p>
             <a:fld id="{49D16157-31ED-214D-A6E8-583A2FDE31BF}" type="datetimeFigureOut">
               <a:rPr lang="en-US" smtClean="0"/>
-              <a:t>9/5/24</a:t>
+              <a:t>9/6/24</a:t>
             </a:fld>
             <a:endParaRPr lang="en-US"/>
           </a:p>
@@ -2167,7 +2167,7 @@
           <a:p>
             <a:fld id="{49D16157-31ED-214D-A6E8-583A2FDE31BF}" type="datetimeFigureOut">
               <a:rPr lang="en-US" smtClean="0"/>
-              <a:t>9/5/24</a:t>
+              <a:t>9/6/24</a:t>
             </a:fld>
             <a:endParaRPr lang="en-US"/>
           </a:p>
@@ -2262,7 +2262,7 @@
           <a:p>
             <a:fld id="{49D16157-31ED-214D-A6E8-583A2FDE31BF}" type="datetimeFigureOut">
               <a:rPr lang="en-US" smtClean="0"/>
-              <a:t>9/5/24</a:t>
+              <a:t>9/6/24</a:t>
             </a:fld>
             <a:endParaRPr lang="en-US"/>
           </a:p>
@@ -2539,7 +2539,7 @@
           <a:p>
             <a:fld id="{49D16157-31ED-214D-A6E8-583A2FDE31BF}" type="datetimeFigureOut">
               <a:rPr lang="en-US" smtClean="0"/>
-              <a:t>9/5/24</a:t>
+              <a:t>9/6/24</a:t>
             </a:fld>
             <a:endParaRPr lang="en-US"/>
           </a:p>
@@ -2796,7 +2796,7 @@
           <a:p>
             <a:fld id="{49D16157-31ED-214D-A6E8-583A2FDE31BF}" type="datetimeFigureOut">
               <a:rPr lang="en-US" smtClean="0"/>
-              <a:t>9/5/24</a:t>
+              <a:t>9/6/24</a:t>
             </a:fld>
             <a:endParaRPr lang="en-US"/>
           </a:p>
@@ -3009,7 +3009,7 @@
           <a:p>
             <a:fld id="{49D16157-31ED-214D-A6E8-583A2FDE31BF}" type="datetimeFigureOut">
               <a:rPr lang="en-US" smtClean="0"/>
-              <a:t>9/5/24</a:t>
+              <a:t>9/6/24</a:t>
             </a:fld>
             <a:endParaRPr lang="en-US"/>
           </a:p>
@@ -3435,7 +3435,7 @@
         </p:blipFill>
         <p:spPr>
           <a:xfrm>
-            <a:off x="2769926" y="1727760"/>
+            <a:off x="2758203" y="1727760"/>
             <a:ext cx="8640000" cy="2880000"/>
           </a:xfrm>
           <a:prstGeom prst="rect">
@@ -5886,7 +5886,7 @@
         </p:nvSpPr>
         <p:spPr>
           <a:xfrm>
-            <a:off x="5802213" y="1615858"/>
+            <a:off x="5825659" y="1615858"/>
             <a:ext cx="255199" cy="246221"/>
           </a:xfrm>
           <a:prstGeom prst="rect">
@@ -5928,7 +5928,7 @@
         </p:nvSpPr>
         <p:spPr>
           <a:xfrm>
-            <a:off x="7177555" y="1615858"/>
+            <a:off x="7212724" y="1615858"/>
             <a:ext cx="263214" cy="246221"/>
           </a:xfrm>
           <a:prstGeom prst="rect">

--- a/figures/Ex Fig 3.pptx
+++ b/figures/Ex Fig 3.pptx
@@ -5,10 +5,11 @@
     <p:sldMasterId id="2147483696" r:id="rId1"/>
   </p:sldMasterIdLst>
   <p:notesMasterIdLst>
-    <p:notesMasterId r:id="rId3"/>
+    <p:notesMasterId r:id="rId4"/>
   </p:notesMasterIdLst>
   <p:sldIdLst>
     <p:sldId id="261" r:id="rId2"/>
+    <p:sldId id="262" r:id="rId3"/>
   </p:sldIdLst>
   <p:sldSz cx="13320713" cy="8999538"/>
   <p:notesSz cx="6858000" cy="9144000"/>
@@ -197,7 +198,7 @@
           <a:p>
             <a:fld id="{B19977C2-3852-6343-8FB6-75798599EF47}" type="datetimeFigureOut">
               <a:rPr lang="en-US" smtClean="0"/>
-              <a:t>9/6/24</a:t>
+              <a:t>9/12/24</a:t>
             </a:fld>
             <a:endParaRPr lang="en-US"/>
           </a:p>
@@ -553,6 +554,119 @@
 </p:notes>
 </file>
 
+<file path=ppt/notesSlides/notesSlide2.xml><?xml version="1.0" encoding="utf-8"?>
+<p:notes xmlns:a="http://schemas.openxmlformats.org/drawingml/2006/main" xmlns:r="http://schemas.openxmlformats.org/officeDocument/2006/relationships" xmlns:p="http://schemas.openxmlformats.org/presentationml/2006/main">
+  <p:cSld>
+    <p:spTree>
+      <p:nvGrpSpPr>
+        <p:cNvPr id="1" name="">
+          <a:extLst>
+            <a:ext uri="{FF2B5EF4-FFF2-40B4-BE49-F238E27FC236}">
+              <a16:creationId xmlns:a16="http://schemas.microsoft.com/office/drawing/2014/main" id="{F708F6D1-9F93-8DD3-B68C-C937C36E0203}"/>
+            </a:ext>
+          </a:extLst>
+        </p:cNvPr>
+        <p:cNvGrpSpPr/>
+        <p:nvPr/>
+      </p:nvGrpSpPr>
+      <p:grpSpPr>
+        <a:xfrm>
+          <a:off x="0" y="0"/>
+          <a:ext cx="0" cy="0"/>
+          <a:chOff x="0" y="0"/>
+          <a:chExt cx="0" cy="0"/>
+        </a:xfrm>
+      </p:grpSpPr>
+      <p:sp>
+        <p:nvSpPr>
+          <p:cNvPr id="2" name="Slide Image Placeholder 1">
+            <a:extLst>
+              <a:ext uri="{FF2B5EF4-FFF2-40B4-BE49-F238E27FC236}">
+                <a16:creationId xmlns:a16="http://schemas.microsoft.com/office/drawing/2014/main" id="{C7648B7A-2454-21D6-ACE4-7D40085CB818}"/>
+              </a:ext>
+            </a:extLst>
+          </p:cNvPr>
+          <p:cNvSpPr>
+            <a:spLocks noGrp="1" noRot="1" noChangeAspect="1"/>
+          </p:cNvSpPr>
+          <p:nvPr>
+            <p:ph type="sldImg"/>
+          </p:nvPr>
+        </p:nvSpPr>
+        <p:spPr>
+          <a:xfrm>
+            <a:off x="1146175" y="1143000"/>
+            <a:ext cx="4565650" cy="3086100"/>
+          </a:xfrm>
+        </p:spPr>
+      </p:sp>
+      <p:sp>
+        <p:nvSpPr>
+          <p:cNvPr id="3" name="Notes Placeholder 2">
+            <a:extLst>
+              <a:ext uri="{FF2B5EF4-FFF2-40B4-BE49-F238E27FC236}">
+                <a16:creationId xmlns:a16="http://schemas.microsoft.com/office/drawing/2014/main" id="{FFD505EB-8D7E-B41A-66EB-73DDC1546093}"/>
+              </a:ext>
+            </a:extLst>
+          </p:cNvPr>
+          <p:cNvSpPr>
+            <a:spLocks noGrp="1"/>
+          </p:cNvSpPr>
+          <p:nvPr>
+            <p:ph type="body" idx="1"/>
+          </p:nvPr>
+        </p:nvSpPr>
+        <p:spPr/>
+        <p:txBody>
+          <a:bodyPr/>
+          <a:lstStyle/>
+          <a:p>
+            <a:endParaRPr lang="en-US" dirty="0"/>
+          </a:p>
+        </p:txBody>
+      </p:sp>
+      <p:sp>
+        <p:nvSpPr>
+          <p:cNvPr id="4" name="Slide Number Placeholder 3">
+            <a:extLst>
+              <a:ext uri="{FF2B5EF4-FFF2-40B4-BE49-F238E27FC236}">
+                <a16:creationId xmlns:a16="http://schemas.microsoft.com/office/drawing/2014/main" id="{BB646F0E-DA40-9EFA-1913-D71F8DF9469C}"/>
+              </a:ext>
+            </a:extLst>
+          </p:cNvPr>
+          <p:cNvSpPr>
+            <a:spLocks noGrp="1"/>
+          </p:cNvSpPr>
+          <p:nvPr>
+            <p:ph type="sldNum" sz="quarter" idx="5"/>
+          </p:nvPr>
+        </p:nvSpPr>
+        <p:spPr/>
+        <p:txBody>
+          <a:bodyPr/>
+          <a:lstStyle/>
+          <a:p>
+            <a:fld id="{2F555F2B-D280-0548-9DA4-50222134F4CC}" type="slidenum">
+              <a:rPr lang="en-US" smtClean="0"/>
+              <a:t>2</a:t>
+            </a:fld>
+            <a:endParaRPr lang="en-US"/>
+          </a:p>
+        </p:txBody>
+      </p:sp>
+    </p:spTree>
+    <p:extLst>
+      <p:ext uri="{BB962C8B-B14F-4D97-AF65-F5344CB8AC3E}">
+        <p14:creationId xmlns:p14="http://schemas.microsoft.com/office/powerpoint/2010/main" val="4190885902"/>
+      </p:ext>
+    </p:extLst>
+  </p:cSld>
+  <p:clrMapOvr>
+    <a:masterClrMapping/>
+  </p:clrMapOvr>
+</p:notes>
+</file>
+
 <file path=ppt/slideLayouts/slideLayout1.xml><?xml version="1.0" encoding="utf-8"?>
 <p:sldLayout xmlns:a="http://schemas.openxmlformats.org/drawingml/2006/main" xmlns:r="http://schemas.openxmlformats.org/officeDocument/2006/relationships" xmlns:p="http://schemas.openxmlformats.org/presentationml/2006/main" type="title" preserve="1">
   <p:cSld name="Title Slide">
@@ -684,7 +798,7 @@
           <a:p>
             <a:fld id="{49D16157-31ED-214D-A6E8-583A2FDE31BF}" type="datetimeFigureOut">
               <a:rPr lang="en-US" smtClean="0"/>
-              <a:t>9/6/24</a:t>
+              <a:t>9/12/24</a:t>
             </a:fld>
             <a:endParaRPr lang="en-US"/>
           </a:p>
@@ -854,7 +968,7 @@
           <a:p>
             <a:fld id="{49D16157-31ED-214D-A6E8-583A2FDE31BF}" type="datetimeFigureOut">
               <a:rPr lang="en-US" smtClean="0"/>
-              <a:t>9/6/24</a:t>
+              <a:t>9/12/24</a:t>
             </a:fld>
             <a:endParaRPr lang="en-US"/>
           </a:p>
@@ -1034,7 +1148,7 @@
           <a:p>
             <a:fld id="{49D16157-31ED-214D-A6E8-583A2FDE31BF}" type="datetimeFigureOut">
               <a:rPr lang="en-US" smtClean="0"/>
-              <a:t>9/6/24</a:t>
+              <a:t>9/12/24</a:t>
             </a:fld>
             <a:endParaRPr lang="en-US"/>
           </a:p>
@@ -1204,7 +1318,7 @@
           <a:p>
             <a:fld id="{49D16157-31ED-214D-A6E8-583A2FDE31BF}" type="datetimeFigureOut">
               <a:rPr lang="en-US" smtClean="0"/>
-              <a:t>9/6/24</a:t>
+              <a:t>9/12/24</a:t>
             </a:fld>
             <a:endParaRPr lang="en-US"/>
           </a:p>
@@ -1450,7 +1564,7 @@
           <a:p>
             <a:fld id="{49D16157-31ED-214D-A6E8-583A2FDE31BF}" type="datetimeFigureOut">
               <a:rPr lang="en-US" smtClean="0"/>
-              <a:t>9/6/24</a:t>
+              <a:t>9/12/24</a:t>
             </a:fld>
             <a:endParaRPr lang="en-US"/>
           </a:p>
@@ -1682,7 +1796,7 @@
           <a:p>
             <a:fld id="{49D16157-31ED-214D-A6E8-583A2FDE31BF}" type="datetimeFigureOut">
               <a:rPr lang="en-US" smtClean="0"/>
-              <a:t>9/6/24</a:t>
+              <a:t>9/12/24</a:t>
             </a:fld>
             <a:endParaRPr lang="en-US"/>
           </a:p>
@@ -2049,7 +2163,7 @@
           <a:p>
             <a:fld id="{49D16157-31ED-214D-A6E8-583A2FDE31BF}" type="datetimeFigureOut">
               <a:rPr lang="en-US" smtClean="0"/>
-              <a:t>9/6/24</a:t>
+              <a:t>9/12/24</a:t>
             </a:fld>
             <a:endParaRPr lang="en-US"/>
           </a:p>
@@ -2167,7 +2281,7 @@
           <a:p>
             <a:fld id="{49D16157-31ED-214D-A6E8-583A2FDE31BF}" type="datetimeFigureOut">
               <a:rPr lang="en-US" smtClean="0"/>
-              <a:t>9/6/24</a:t>
+              <a:t>9/12/24</a:t>
             </a:fld>
             <a:endParaRPr lang="en-US"/>
           </a:p>
@@ -2262,7 +2376,7 @@
           <a:p>
             <a:fld id="{49D16157-31ED-214D-A6E8-583A2FDE31BF}" type="datetimeFigureOut">
               <a:rPr lang="en-US" smtClean="0"/>
-              <a:t>9/6/24</a:t>
+              <a:t>9/12/24</a:t>
             </a:fld>
             <a:endParaRPr lang="en-US"/>
           </a:p>
@@ -2539,7 +2653,7 @@
           <a:p>
             <a:fld id="{49D16157-31ED-214D-A6E8-583A2FDE31BF}" type="datetimeFigureOut">
               <a:rPr lang="en-US" smtClean="0"/>
-              <a:t>9/6/24</a:t>
+              <a:t>9/12/24</a:t>
             </a:fld>
             <a:endParaRPr lang="en-US"/>
           </a:p>
@@ -2796,7 +2910,7 @@
           <a:p>
             <a:fld id="{49D16157-31ED-214D-A6E8-583A2FDE31BF}" type="datetimeFigureOut">
               <a:rPr lang="en-US" smtClean="0"/>
-              <a:t>9/6/24</a:t>
+              <a:t>9/12/24</a:t>
             </a:fld>
             <a:endParaRPr lang="en-US"/>
           </a:p>
@@ -3009,7 +3123,7 @@
           <a:p>
             <a:fld id="{49D16157-31ED-214D-A6E8-583A2FDE31BF}" type="datetimeFigureOut">
               <a:rPr lang="en-US" smtClean="0"/>
-              <a:t>9/6/24</a:t>
+              <a:t>9/12/24</a:t>
             </a:fld>
             <a:endParaRPr lang="en-US"/>
           </a:p>
@@ -3712,7 +3826,7 @@
         </p:nvSpPr>
         <p:spPr>
           <a:xfrm>
-            <a:off x="2037015" y="5794377"/>
+            <a:off x="2037015" y="6808634"/>
             <a:ext cx="930063" cy="246221"/>
           </a:xfrm>
           <a:prstGeom prst="rect">
@@ -3754,8 +3868,8 @@
         </p:nvSpPr>
         <p:spPr>
           <a:xfrm>
-            <a:off x="2356013" y="6037915"/>
-            <a:ext cx="611065" cy="246221"/>
+            <a:off x="2404103" y="5807572"/>
+            <a:ext cx="562975" cy="246221"/>
           </a:xfrm>
           <a:prstGeom prst="rect">
             <a:avLst/>
@@ -3787,109 +3901,11 @@
               <a:t>L</a:t>
             </a:r>
             <a:r>
-              <a:rPr lang="en-US" sz="1000" b="1" baseline="-25000" dirty="0">
-                <a:latin typeface="Arial" panose="020B0604020202020204" pitchFamily="34" charset="0"/>
-                <a:cs typeface="Arial" panose="020B0604020202020204" pitchFamily="34" charset="0"/>
-              </a:rPr>
-              <a:t>1/2</a:t>
-            </a:r>
-          </a:p>
-        </p:txBody>
-      </p:sp>
-      <p:sp>
-        <p:nvSpPr>
-          <p:cNvPr id="15" name="TextBox 14">
-            <a:extLst>
-              <a:ext uri="{FF2B5EF4-FFF2-40B4-BE49-F238E27FC236}">
-                <a16:creationId xmlns:a16="http://schemas.microsoft.com/office/drawing/2014/main" id="{466279D9-FA13-97BB-1244-1F323651FC21}"/>
-              </a:ext>
-            </a:extLst>
-          </p:cNvPr>
-          <p:cNvSpPr txBox="1"/>
-          <p:nvPr/>
-        </p:nvSpPr>
-        <p:spPr>
-          <a:xfrm>
-            <a:off x="2356013" y="6281453"/>
-            <a:ext cx="611066" cy="246221"/>
-          </a:xfrm>
-          <a:prstGeom prst="rect">
-            <a:avLst/>
-          </a:prstGeom>
-          <a:noFill/>
-          <a:ln>
-            <a:noFill/>
-          </a:ln>
-        </p:spPr>
-        <p:txBody>
-          <a:bodyPr wrap="none" rtlCol="0">
-            <a:spAutoFit/>
-          </a:bodyPr>
-          <a:lstStyle/>
-          <a:p>
-            <a:pPr algn="r"/>
-            <a:r>
-              <a:rPr lang="en-US" sz="1000" b="1" dirty="0">
-                <a:latin typeface="Arial" panose="020B0604020202020204" pitchFamily="34" charset="0"/>
-                <a:cs typeface="Arial" panose="020B0604020202020204" pitchFamily="34" charset="0"/>
-              </a:rPr>
-              <a:t>log </a:t>
-            </a:r>
-            <a:r>
-              <a:rPr lang="en-US" sz="1000" b="1" i="1" dirty="0">
-                <a:latin typeface="Arial" panose="020B0604020202020204" pitchFamily="34" charset="0"/>
-                <a:cs typeface="Arial" panose="020B0604020202020204" pitchFamily="34" charset="0"/>
-              </a:rPr>
-              <a:t>F</a:t>
-            </a:r>
-            <a:r>
-              <a:rPr lang="en-US" sz="1000" b="1" baseline="-25000" dirty="0">
-                <a:latin typeface="Arial" panose="020B0604020202020204" pitchFamily="34" charset="0"/>
-                <a:cs typeface="Arial" panose="020B0604020202020204" pitchFamily="34" charset="0"/>
-              </a:rPr>
-              <a:t>1/2</a:t>
-            </a:r>
-          </a:p>
-        </p:txBody>
-      </p:sp>
-      <p:sp>
-        <p:nvSpPr>
-          <p:cNvPr id="16" name="TextBox 15">
-            <a:extLst>
-              <a:ext uri="{FF2B5EF4-FFF2-40B4-BE49-F238E27FC236}">
-                <a16:creationId xmlns:a16="http://schemas.microsoft.com/office/drawing/2014/main" id="{9E426D95-5B7D-90CD-B14E-1D3E47FA2475}"/>
-              </a:ext>
-            </a:extLst>
-          </p:cNvPr>
-          <p:cNvSpPr txBox="1"/>
-          <p:nvPr/>
-        </p:nvSpPr>
-        <p:spPr>
-          <a:xfrm>
-            <a:off x="2184491" y="6531223"/>
-            <a:ext cx="782587" cy="246221"/>
-          </a:xfrm>
-          <a:prstGeom prst="rect">
-            <a:avLst/>
-          </a:prstGeom>
-          <a:noFill/>
-          <a:ln>
-            <a:noFill/>
-          </a:ln>
-        </p:spPr>
-        <p:txBody>
-          <a:bodyPr wrap="none" rtlCol="0">
-            <a:spAutoFit/>
-          </a:bodyPr>
-          <a:lstStyle/>
-          <a:p>
-            <a:pPr algn="r"/>
-            <a:r>
-              <a:rPr lang="en-US" sz="1000" b="1" dirty="0">
-                <a:latin typeface="Arial" panose="020B0604020202020204" pitchFamily="34" charset="0"/>
-                <a:cs typeface="Arial" panose="020B0604020202020204" pitchFamily="34" charset="0"/>
-              </a:rPr>
-              <a:t>log RCVQ</a:t>
+              <a:rPr lang="en-US" sz="1000" b="1" i="1" baseline="-25000" dirty="0">
+                <a:latin typeface="Arial" panose="020B0604020202020204" pitchFamily="34" charset="0"/>
+                <a:cs typeface="Arial" panose="020B0604020202020204" pitchFamily="34" charset="0"/>
+              </a:rPr>
+              <a:t>i/j</a:t>
             </a:r>
             <a:endParaRPr lang="en-US" sz="1000" b="1" baseline="-25000" dirty="0">
               <a:latin typeface="Arial" panose="020B0604020202020204" pitchFamily="34" charset="0"/>
@@ -3900,20 +3916,20 @@
       </p:sp>
       <p:sp>
         <p:nvSpPr>
-          <p:cNvPr id="17" name="TextBox 16">
-            <a:extLst>
-              <a:ext uri="{FF2B5EF4-FFF2-40B4-BE49-F238E27FC236}">
-                <a16:creationId xmlns:a16="http://schemas.microsoft.com/office/drawing/2014/main" id="{63771132-0CFA-000A-E362-D697B1E5C1A7}"/>
-              </a:ext>
-            </a:extLst>
-          </p:cNvPr>
-          <p:cNvSpPr txBox="1"/>
-          <p:nvPr/>
-        </p:nvSpPr>
-        <p:spPr>
-          <a:xfrm>
-            <a:off x="2176477" y="6777444"/>
-            <a:ext cx="790601" cy="246221"/>
+          <p:cNvPr id="15" name="TextBox 14">
+            <a:extLst>
+              <a:ext uri="{FF2B5EF4-FFF2-40B4-BE49-F238E27FC236}">
+                <a16:creationId xmlns:a16="http://schemas.microsoft.com/office/drawing/2014/main" id="{466279D9-FA13-97BB-1244-1F323651FC21}"/>
+              </a:ext>
+            </a:extLst>
+          </p:cNvPr>
+          <p:cNvSpPr txBox="1"/>
+          <p:nvPr/>
+        </p:nvSpPr>
+        <p:spPr>
+          <a:xfrm>
+            <a:off x="2404104" y="6051110"/>
+            <a:ext cx="562975" cy="246221"/>
           </a:xfrm>
           <a:prstGeom prst="rect">
             <a:avLst/>
@@ -3935,7 +3951,21 @@
                 <a:latin typeface="Arial" panose="020B0604020202020204" pitchFamily="34" charset="0"/>
                 <a:cs typeface="Arial" panose="020B0604020202020204" pitchFamily="34" charset="0"/>
               </a:rPr>
-              <a:t>log RCVM</a:t>
+              <a:t>log </a:t>
+            </a:r>
+            <a:r>
+              <a:rPr lang="en-US" sz="1000" b="1" i="1" dirty="0">
+                <a:latin typeface="Arial" panose="020B0604020202020204" pitchFamily="34" charset="0"/>
+                <a:cs typeface="Arial" panose="020B0604020202020204" pitchFamily="34" charset="0"/>
+              </a:rPr>
+              <a:t>F</a:t>
+            </a:r>
+            <a:r>
+              <a:rPr lang="en-US" sz="1000" b="1" i="1" baseline="-25000" dirty="0">
+                <a:latin typeface="Arial" panose="020B0604020202020204" pitchFamily="34" charset="0"/>
+                <a:cs typeface="Arial" panose="020B0604020202020204" pitchFamily="34" charset="0"/>
+              </a:rPr>
+              <a:t>i/j</a:t>
             </a:r>
             <a:endParaRPr lang="en-US" sz="1000" b="1" baseline="-25000" dirty="0">
               <a:latin typeface="Arial" panose="020B0604020202020204" pitchFamily="34" charset="0"/>
@@ -3946,6 +3976,98 @@
       </p:sp>
       <p:sp>
         <p:nvSpPr>
+          <p:cNvPr id="16" name="TextBox 15">
+            <a:extLst>
+              <a:ext uri="{FF2B5EF4-FFF2-40B4-BE49-F238E27FC236}">
+                <a16:creationId xmlns:a16="http://schemas.microsoft.com/office/drawing/2014/main" id="{9E426D95-5B7D-90CD-B14E-1D3E47FA2475}"/>
+              </a:ext>
+            </a:extLst>
+          </p:cNvPr>
+          <p:cNvSpPr txBox="1"/>
+          <p:nvPr/>
+        </p:nvSpPr>
+        <p:spPr>
+          <a:xfrm>
+            <a:off x="2184491" y="6300880"/>
+            <a:ext cx="782587" cy="246221"/>
+          </a:xfrm>
+          <a:prstGeom prst="rect">
+            <a:avLst/>
+          </a:prstGeom>
+          <a:noFill/>
+          <a:ln>
+            <a:noFill/>
+          </a:ln>
+        </p:spPr>
+        <p:txBody>
+          <a:bodyPr wrap="none" rtlCol="0">
+            <a:spAutoFit/>
+          </a:bodyPr>
+          <a:lstStyle/>
+          <a:p>
+            <a:pPr algn="r"/>
+            <a:r>
+              <a:rPr lang="en-US" sz="1000" b="1" dirty="0">
+                <a:latin typeface="Arial" panose="020B0604020202020204" pitchFamily="34" charset="0"/>
+                <a:cs typeface="Arial" panose="020B0604020202020204" pitchFamily="34" charset="0"/>
+              </a:rPr>
+              <a:t>log RCVQ</a:t>
+            </a:r>
+            <a:endParaRPr lang="en-US" sz="1000" b="1" baseline="-25000" dirty="0">
+              <a:latin typeface="Arial" panose="020B0604020202020204" pitchFamily="34" charset="0"/>
+              <a:cs typeface="Arial" panose="020B0604020202020204" pitchFamily="34" charset="0"/>
+            </a:endParaRPr>
+          </a:p>
+        </p:txBody>
+      </p:sp>
+      <p:sp>
+        <p:nvSpPr>
+          <p:cNvPr id="17" name="TextBox 16">
+            <a:extLst>
+              <a:ext uri="{FF2B5EF4-FFF2-40B4-BE49-F238E27FC236}">
+                <a16:creationId xmlns:a16="http://schemas.microsoft.com/office/drawing/2014/main" id="{63771132-0CFA-000A-E362-D697B1E5C1A7}"/>
+              </a:ext>
+            </a:extLst>
+          </p:cNvPr>
+          <p:cNvSpPr txBox="1"/>
+          <p:nvPr/>
+        </p:nvSpPr>
+        <p:spPr>
+          <a:xfrm>
+            <a:off x="2176477" y="6547101"/>
+            <a:ext cx="790601" cy="246221"/>
+          </a:xfrm>
+          <a:prstGeom prst="rect">
+            <a:avLst/>
+          </a:prstGeom>
+          <a:noFill/>
+          <a:ln>
+            <a:noFill/>
+          </a:ln>
+        </p:spPr>
+        <p:txBody>
+          <a:bodyPr wrap="none" rtlCol="0">
+            <a:spAutoFit/>
+          </a:bodyPr>
+          <a:lstStyle/>
+          <a:p>
+            <a:pPr algn="r"/>
+            <a:r>
+              <a:rPr lang="en-US" sz="1000" b="1" dirty="0">
+                <a:latin typeface="Arial" panose="020B0604020202020204" pitchFamily="34" charset="0"/>
+                <a:cs typeface="Arial" panose="020B0604020202020204" pitchFamily="34" charset="0"/>
+              </a:rPr>
+              <a:t>log RCVM</a:t>
+            </a:r>
+            <a:endParaRPr lang="en-US" sz="1000" b="1" baseline="-25000" dirty="0">
+              <a:latin typeface="Arial" panose="020B0604020202020204" pitchFamily="34" charset="0"/>
+              <a:cs typeface="Arial" panose="020B0604020202020204" pitchFamily="34" charset="0"/>
+            </a:endParaRPr>
+          </a:p>
+        </p:txBody>
+      </p:sp>
+      <p:sp>
+        <p:nvSpPr>
           <p:cNvPr id="18" name="TextBox 17">
             <a:extLst>
               <a:ext uri="{FF2B5EF4-FFF2-40B4-BE49-F238E27FC236}">
@@ -4230,6 +4352,9 @@
             <a:pPr algn="ctr"/>
             <a:r>
               <a:rPr lang="en-US" sz="1000" dirty="0">
+                <a:solidFill>
+                  <a:srgbClr val="00B050"/>
+                </a:solidFill>
                 <a:latin typeface="Arial" panose="020B0604020202020204" pitchFamily="34" charset="0"/>
                 <a:cs typeface="Arial" panose="020B0604020202020204" pitchFamily="34" charset="0"/>
               </a:rPr>
@@ -4286,6 +4411,3443 @@
             <a:extLst>
               <a:ext uri="{FF2B5EF4-FFF2-40B4-BE49-F238E27FC236}">
                 <a16:creationId xmlns:a16="http://schemas.microsoft.com/office/drawing/2014/main" id="{7DDC8BBA-71AF-9109-4F60-C499CC568F01}"/>
+              </a:ext>
+            </a:extLst>
+          </p:cNvPr>
+          <p:cNvSpPr txBox="1"/>
+          <p:nvPr/>
+        </p:nvSpPr>
+        <p:spPr>
+          <a:xfrm>
+            <a:off x="3191011" y="6806136"/>
+            <a:ext cx="1066863" cy="246221"/>
+          </a:xfrm>
+          <a:prstGeom prst="rect">
+            <a:avLst/>
+          </a:prstGeom>
+          <a:solidFill>
+            <a:schemeClr val="bg1">
+              <a:lumMod val="65000"/>
+              <a:alpha val="50196"/>
+            </a:schemeClr>
+          </a:solidFill>
+          <a:ln>
+            <a:noFill/>
+          </a:ln>
+        </p:spPr>
+        <p:txBody>
+          <a:bodyPr wrap="square" rtlCol="0">
+            <a:spAutoFit/>
+          </a:bodyPr>
+          <a:lstStyle/>
+          <a:p>
+            <a:pPr algn="ctr"/>
+            <a:r>
+              <a:rPr lang="en-US" sz="1000" b="1" dirty="0">
+                <a:latin typeface="Arial" panose="020B0604020202020204" pitchFamily="34" charset="0"/>
+                <a:cs typeface="Arial" panose="020B0604020202020204" pitchFamily="34" charset="0"/>
+              </a:rPr>
+              <a:t>Correct</a:t>
+            </a:r>
+          </a:p>
+        </p:txBody>
+      </p:sp>
+      <p:sp>
+        <p:nvSpPr>
+          <p:cNvPr id="27" name="TextBox 26">
+            <a:extLst>
+              <a:ext uri="{FF2B5EF4-FFF2-40B4-BE49-F238E27FC236}">
+                <a16:creationId xmlns:a16="http://schemas.microsoft.com/office/drawing/2014/main" id="{AFC58E3E-5314-28FE-D608-F093890A2682}"/>
+              </a:ext>
+            </a:extLst>
+          </p:cNvPr>
+          <p:cNvSpPr txBox="1"/>
+          <p:nvPr/>
+        </p:nvSpPr>
+        <p:spPr>
+          <a:xfrm>
+            <a:off x="4538794" y="6806136"/>
+            <a:ext cx="1196422" cy="246221"/>
+          </a:xfrm>
+          <a:prstGeom prst="rect">
+            <a:avLst/>
+          </a:prstGeom>
+          <a:solidFill>
+            <a:schemeClr val="bg1">
+              <a:lumMod val="65000"/>
+              <a:alpha val="50196"/>
+            </a:schemeClr>
+          </a:solidFill>
+          <a:ln>
+            <a:noFill/>
+          </a:ln>
+        </p:spPr>
+        <p:txBody>
+          <a:bodyPr wrap="square" rtlCol="0">
+            <a:spAutoFit/>
+          </a:bodyPr>
+          <a:lstStyle/>
+          <a:p>
+            <a:pPr algn="ctr"/>
+            <a:r>
+              <a:rPr lang="en-US" sz="1000" b="1" dirty="0">
+                <a:latin typeface="Arial" panose="020B0604020202020204" pitchFamily="34" charset="0"/>
+                <a:cs typeface="Arial" panose="020B0604020202020204" pitchFamily="34" charset="0"/>
+              </a:rPr>
+              <a:t>Correct</a:t>
+            </a:r>
+          </a:p>
+        </p:txBody>
+      </p:sp>
+      <p:sp>
+        <p:nvSpPr>
+          <p:cNvPr id="31" name="TextBox 30">
+            <a:extLst>
+              <a:ext uri="{FF2B5EF4-FFF2-40B4-BE49-F238E27FC236}">
+                <a16:creationId xmlns:a16="http://schemas.microsoft.com/office/drawing/2014/main" id="{883018CF-B463-AD0E-F915-F098E42711ED}"/>
+              </a:ext>
+            </a:extLst>
+          </p:cNvPr>
+          <p:cNvSpPr txBox="1"/>
+          <p:nvPr/>
+        </p:nvSpPr>
+        <p:spPr>
+          <a:xfrm>
+            <a:off x="3191011" y="5807440"/>
+            <a:ext cx="1066863" cy="246221"/>
+          </a:xfrm>
+          <a:prstGeom prst="rect">
+            <a:avLst/>
+          </a:prstGeom>
+          <a:noFill/>
+          <a:ln>
+            <a:noFill/>
+          </a:ln>
+        </p:spPr>
+        <p:txBody>
+          <a:bodyPr wrap="square" rtlCol="0">
+            <a:spAutoFit/>
+          </a:bodyPr>
+          <a:lstStyle/>
+          <a:p>
+            <a:pPr algn="ctr"/>
+            <a:r>
+              <a:rPr lang="en-US" sz="1000" dirty="0">
+                <a:solidFill>
+                  <a:srgbClr val="00B050"/>
+                </a:solidFill>
+                <a:latin typeface="Arial" panose="020B0604020202020204" pitchFamily="34" charset="0"/>
+                <a:cs typeface="Arial" panose="020B0604020202020204" pitchFamily="34" charset="0"/>
+              </a:rPr>
+              <a:t>0</a:t>
+            </a:r>
+          </a:p>
+        </p:txBody>
+      </p:sp>
+      <p:sp>
+        <p:nvSpPr>
+          <p:cNvPr id="32" name="TextBox 31">
+            <a:extLst>
+              <a:ext uri="{FF2B5EF4-FFF2-40B4-BE49-F238E27FC236}">
+                <a16:creationId xmlns:a16="http://schemas.microsoft.com/office/drawing/2014/main" id="{D805F7AF-E1B3-9D78-551F-6D429E1834BF}"/>
+              </a:ext>
+            </a:extLst>
+          </p:cNvPr>
+          <p:cNvSpPr txBox="1"/>
+          <p:nvPr/>
+        </p:nvSpPr>
+        <p:spPr>
+          <a:xfrm>
+            <a:off x="4605791" y="5807440"/>
+            <a:ext cx="1066863" cy="246221"/>
+          </a:xfrm>
+          <a:prstGeom prst="rect">
+            <a:avLst/>
+          </a:prstGeom>
+          <a:noFill/>
+          <a:ln>
+            <a:noFill/>
+          </a:ln>
+        </p:spPr>
+        <p:txBody>
+          <a:bodyPr wrap="square" rtlCol="0">
+            <a:spAutoFit/>
+          </a:bodyPr>
+          <a:lstStyle/>
+          <a:p>
+            <a:pPr algn="ctr"/>
+            <a:r>
+              <a:rPr lang="en-US" sz="1000" dirty="0">
+                <a:latin typeface="Arial" panose="020B0604020202020204" pitchFamily="34" charset="0"/>
+                <a:cs typeface="Arial" panose="020B0604020202020204" pitchFamily="34" charset="0"/>
+              </a:rPr>
+              <a:t>N/A</a:t>
+            </a:r>
+          </a:p>
+        </p:txBody>
+      </p:sp>
+      <p:sp>
+        <p:nvSpPr>
+          <p:cNvPr id="33" name="TextBox 32">
+            <a:extLst>
+              <a:ext uri="{FF2B5EF4-FFF2-40B4-BE49-F238E27FC236}">
+                <a16:creationId xmlns:a16="http://schemas.microsoft.com/office/drawing/2014/main" id="{0BF0EC1A-7CDD-C5D8-84B9-3B1633FD812D}"/>
+              </a:ext>
+            </a:extLst>
+          </p:cNvPr>
+          <p:cNvSpPr txBox="1"/>
+          <p:nvPr/>
+        </p:nvSpPr>
+        <p:spPr>
+          <a:xfrm>
+            <a:off x="3191011" y="6061440"/>
+            <a:ext cx="1066863" cy="246221"/>
+          </a:xfrm>
+          <a:prstGeom prst="rect">
+            <a:avLst/>
+          </a:prstGeom>
+          <a:noFill/>
+          <a:ln>
+            <a:noFill/>
+          </a:ln>
+        </p:spPr>
+        <p:txBody>
+          <a:bodyPr wrap="square" rtlCol="0">
+            <a:spAutoFit/>
+          </a:bodyPr>
+          <a:lstStyle/>
+          <a:p>
+            <a:pPr algn="ctr"/>
+            <a:r>
+              <a:rPr lang="en-US" sz="1000" dirty="0">
+                <a:solidFill>
+                  <a:srgbClr val="00B050"/>
+                </a:solidFill>
+                <a:latin typeface="Arial" panose="020B0604020202020204" pitchFamily="34" charset="0"/>
+                <a:cs typeface="Arial" panose="020B0604020202020204" pitchFamily="34" charset="0"/>
+              </a:rPr>
+              <a:t>0</a:t>
+            </a:r>
+          </a:p>
+        </p:txBody>
+      </p:sp>
+      <p:sp>
+        <p:nvSpPr>
+          <p:cNvPr id="34" name="TextBox 33">
+            <a:extLst>
+              <a:ext uri="{FF2B5EF4-FFF2-40B4-BE49-F238E27FC236}">
+                <a16:creationId xmlns:a16="http://schemas.microsoft.com/office/drawing/2014/main" id="{BCA4C65F-286C-9AC4-EF6D-47D8CDD4DFC7}"/>
+              </a:ext>
+            </a:extLst>
+          </p:cNvPr>
+          <p:cNvSpPr txBox="1"/>
+          <p:nvPr/>
+        </p:nvSpPr>
+        <p:spPr>
+          <a:xfrm>
+            <a:off x="4605791" y="6061440"/>
+            <a:ext cx="1066863" cy="246221"/>
+          </a:xfrm>
+          <a:prstGeom prst="rect">
+            <a:avLst/>
+          </a:prstGeom>
+          <a:noFill/>
+          <a:ln>
+            <a:noFill/>
+          </a:ln>
+        </p:spPr>
+        <p:txBody>
+          <a:bodyPr wrap="square" rtlCol="0">
+            <a:spAutoFit/>
+          </a:bodyPr>
+          <a:lstStyle/>
+          <a:p>
+            <a:pPr algn="ctr"/>
+            <a:r>
+              <a:rPr lang="en-US" sz="1000" dirty="0">
+                <a:latin typeface="Arial" panose="020B0604020202020204" pitchFamily="34" charset="0"/>
+                <a:cs typeface="Arial" panose="020B0604020202020204" pitchFamily="34" charset="0"/>
+              </a:rPr>
+              <a:t>N/A</a:t>
+            </a:r>
+          </a:p>
+        </p:txBody>
+      </p:sp>
+      <p:sp>
+        <p:nvSpPr>
+          <p:cNvPr id="35" name="TextBox 34">
+            <a:extLst>
+              <a:ext uri="{FF2B5EF4-FFF2-40B4-BE49-F238E27FC236}">
+                <a16:creationId xmlns:a16="http://schemas.microsoft.com/office/drawing/2014/main" id="{25028200-1D15-8DF1-EA88-0651B77009A8}"/>
+              </a:ext>
+            </a:extLst>
+          </p:cNvPr>
+          <p:cNvSpPr txBox="1"/>
+          <p:nvPr/>
+        </p:nvSpPr>
+        <p:spPr>
+          <a:xfrm>
+            <a:off x="3191011" y="6305915"/>
+            <a:ext cx="1066863" cy="246221"/>
+          </a:xfrm>
+          <a:prstGeom prst="rect">
+            <a:avLst/>
+          </a:prstGeom>
+          <a:noFill/>
+          <a:ln>
+            <a:noFill/>
+          </a:ln>
+        </p:spPr>
+        <p:txBody>
+          <a:bodyPr wrap="square" rtlCol="0">
+            <a:spAutoFit/>
+          </a:bodyPr>
+          <a:lstStyle/>
+          <a:p>
+            <a:pPr algn="ctr"/>
+            <a:r>
+              <a:rPr lang="en-US" sz="1000" dirty="0" err="1">
+                <a:solidFill>
+                  <a:srgbClr val="00B050"/>
+                </a:solidFill>
+                <a:latin typeface="Arial" panose="020B0604020202020204" pitchFamily="34" charset="0"/>
+                <a:cs typeface="Arial" panose="020B0604020202020204" pitchFamily="34" charset="0"/>
+              </a:rPr>
+              <a:t>NaN</a:t>
+            </a:r>
+            <a:endParaRPr lang="en-US" sz="1000" dirty="0">
+              <a:solidFill>
+                <a:srgbClr val="00B050"/>
+              </a:solidFill>
+              <a:latin typeface="Arial" panose="020B0604020202020204" pitchFamily="34" charset="0"/>
+              <a:cs typeface="Arial" panose="020B0604020202020204" pitchFamily="34" charset="0"/>
+            </a:endParaRPr>
+          </a:p>
+        </p:txBody>
+      </p:sp>
+      <p:sp>
+        <p:nvSpPr>
+          <p:cNvPr id="36" name="TextBox 35">
+            <a:extLst>
+              <a:ext uri="{FF2B5EF4-FFF2-40B4-BE49-F238E27FC236}">
+                <a16:creationId xmlns:a16="http://schemas.microsoft.com/office/drawing/2014/main" id="{5FE06422-099E-A51D-9908-48F739F9290A}"/>
+              </a:ext>
+            </a:extLst>
+          </p:cNvPr>
+          <p:cNvSpPr txBox="1"/>
+          <p:nvPr/>
+        </p:nvSpPr>
+        <p:spPr>
+          <a:xfrm>
+            <a:off x="4605791" y="6305915"/>
+            <a:ext cx="1066863" cy="246221"/>
+          </a:xfrm>
+          <a:prstGeom prst="rect">
+            <a:avLst/>
+          </a:prstGeom>
+          <a:noFill/>
+          <a:ln>
+            <a:noFill/>
+          </a:ln>
+        </p:spPr>
+        <p:txBody>
+          <a:bodyPr wrap="square" rtlCol="0">
+            <a:spAutoFit/>
+          </a:bodyPr>
+          <a:lstStyle/>
+          <a:p>
+            <a:pPr algn="ctr"/>
+            <a:r>
+              <a:rPr lang="en-US" sz="1000" dirty="0">
+                <a:latin typeface="Arial" panose="020B0604020202020204" pitchFamily="34" charset="0"/>
+                <a:cs typeface="Arial" panose="020B0604020202020204" pitchFamily="34" charset="0"/>
+              </a:rPr>
+              <a:t>N/A</a:t>
+            </a:r>
+          </a:p>
+        </p:txBody>
+      </p:sp>
+      <p:sp>
+        <p:nvSpPr>
+          <p:cNvPr id="37" name="TextBox 36">
+            <a:extLst>
+              <a:ext uri="{FF2B5EF4-FFF2-40B4-BE49-F238E27FC236}">
+                <a16:creationId xmlns:a16="http://schemas.microsoft.com/office/drawing/2014/main" id="{30368F84-3E8F-E973-249D-42F56372B7ED}"/>
+              </a:ext>
+            </a:extLst>
+          </p:cNvPr>
+          <p:cNvSpPr txBox="1"/>
+          <p:nvPr/>
+        </p:nvSpPr>
+        <p:spPr>
+          <a:xfrm>
+            <a:off x="3191011" y="6559915"/>
+            <a:ext cx="1066863" cy="246221"/>
+          </a:xfrm>
+          <a:prstGeom prst="rect">
+            <a:avLst/>
+          </a:prstGeom>
+          <a:noFill/>
+          <a:ln>
+            <a:noFill/>
+          </a:ln>
+        </p:spPr>
+        <p:txBody>
+          <a:bodyPr wrap="square" rtlCol="0">
+            <a:spAutoFit/>
+          </a:bodyPr>
+          <a:lstStyle/>
+          <a:p>
+            <a:pPr algn="ctr"/>
+            <a:r>
+              <a:rPr lang="en-US" sz="1000" dirty="0" err="1">
+                <a:solidFill>
+                  <a:srgbClr val="00B050"/>
+                </a:solidFill>
+                <a:latin typeface="Arial" panose="020B0604020202020204" pitchFamily="34" charset="0"/>
+                <a:cs typeface="Arial" panose="020B0604020202020204" pitchFamily="34" charset="0"/>
+              </a:rPr>
+              <a:t>NaN</a:t>
+            </a:r>
+            <a:endParaRPr lang="en-US" sz="1000" dirty="0">
+              <a:solidFill>
+                <a:srgbClr val="00B050"/>
+              </a:solidFill>
+              <a:latin typeface="Arial" panose="020B0604020202020204" pitchFamily="34" charset="0"/>
+              <a:cs typeface="Arial" panose="020B0604020202020204" pitchFamily="34" charset="0"/>
+            </a:endParaRPr>
+          </a:p>
+        </p:txBody>
+      </p:sp>
+      <p:sp>
+        <p:nvSpPr>
+          <p:cNvPr id="38" name="TextBox 37">
+            <a:extLst>
+              <a:ext uri="{FF2B5EF4-FFF2-40B4-BE49-F238E27FC236}">
+                <a16:creationId xmlns:a16="http://schemas.microsoft.com/office/drawing/2014/main" id="{9E4C23CF-7D6D-2E36-127D-748EA758ACE3}"/>
+              </a:ext>
+            </a:extLst>
+          </p:cNvPr>
+          <p:cNvSpPr txBox="1"/>
+          <p:nvPr/>
+        </p:nvSpPr>
+        <p:spPr>
+          <a:xfrm>
+            <a:off x="4605791" y="6559915"/>
+            <a:ext cx="1066863" cy="246221"/>
+          </a:xfrm>
+          <a:prstGeom prst="rect">
+            <a:avLst/>
+          </a:prstGeom>
+          <a:noFill/>
+          <a:ln>
+            <a:noFill/>
+          </a:ln>
+        </p:spPr>
+        <p:txBody>
+          <a:bodyPr wrap="square" rtlCol="0">
+            <a:spAutoFit/>
+          </a:bodyPr>
+          <a:lstStyle/>
+          <a:p>
+            <a:pPr algn="ctr"/>
+            <a:r>
+              <a:rPr lang="en-US" sz="1000" dirty="0">
+                <a:latin typeface="Arial" panose="020B0604020202020204" pitchFamily="34" charset="0"/>
+                <a:cs typeface="Arial" panose="020B0604020202020204" pitchFamily="34" charset="0"/>
+              </a:rPr>
+              <a:t>N/A</a:t>
+            </a:r>
+          </a:p>
+        </p:txBody>
+      </p:sp>
+      <p:sp>
+        <p:nvSpPr>
+          <p:cNvPr id="7" name="TextBox 6">
+            <a:extLst>
+              <a:ext uri="{FF2B5EF4-FFF2-40B4-BE49-F238E27FC236}">
+                <a16:creationId xmlns:a16="http://schemas.microsoft.com/office/drawing/2014/main" id="{A66EE19A-B3F2-FB5D-FCC6-73E571886704}"/>
+              </a:ext>
+            </a:extLst>
+          </p:cNvPr>
+          <p:cNvSpPr txBox="1"/>
+          <p:nvPr/>
+        </p:nvSpPr>
+        <p:spPr>
+          <a:xfrm>
+            <a:off x="6016136" y="4558348"/>
+            <a:ext cx="1066863" cy="246221"/>
+          </a:xfrm>
+          <a:prstGeom prst="rect">
+            <a:avLst/>
+          </a:prstGeom>
+          <a:noFill/>
+          <a:ln>
+            <a:noFill/>
+          </a:ln>
+        </p:spPr>
+        <p:txBody>
+          <a:bodyPr wrap="square" rtlCol="0">
+            <a:spAutoFit/>
+          </a:bodyPr>
+          <a:lstStyle/>
+          <a:p>
+            <a:pPr algn="ctr"/>
+            <a:r>
+              <a:rPr lang="en-US" sz="1000" dirty="0">
+                <a:latin typeface="Arial" panose="020B0604020202020204" pitchFamily="34" charset="0"/>
+                <a:cs typeface="Arial" panose="020B0604020202020204" pitchFamily="34" charset="0"/>
+              </a:rPr>
+              <a:t>Bar graph</a:t>
+            </a:r>
+          </a:p>
+        </p:txBody>
+      </p:sp>
+      <p:sp>
+        <p:nvSpPr>
+          <p:cNvPr id="10" name="TextBox 9">
+            <a:extLst>
+              <a:ext uri="{FF2B5EF4-FFF2-40B4-BE49-F238E27FC236}">
+                <a16:creationId xmlns:a16="http://schemas.microsoft.com/office/drawing/2014/main" id="{AD766AF9-1BE5-FFE4-69CC-F6C019AEBDB6}"/>
+              </a:ext>
+            </a:extLst>
+          </p:cNvPr>
+          <p:cNvSpPr txBox="1"/>
+          <p:nvPr/>
+        </p:nvSpPr>
+        <p:spPr>
+          <a:xfrm>
+            <a:off x="5975679" y="4805881"/>
+            <a:ext cx="1143148" cy="246221"/>
+          </a:xfrm>
+          <a:prstGeom prst="rect">
+            <a:avLst/>
+          </a:prstGeom>
+          <a:noFill/>
+          <a:ln>
+            <a:noFill/>
+          </a:ln>
+        </p:spPr>
+        <p:txBody>
+          <a:bodyPr wrap="square" rtlCol="0">
+            <a:spAutoFit/>
+          </a:bodyPr>
+          <a:lstStyle/>
+          <a:p>
+            <a:pPr algn="ctr"/>
+            <a:r>
+              <a:rPr lang="en-US" sz="1000" dirty="0">
+                <a:latin typeface="Arial" panose="020B0604020202020204" pitchFamily="34" charset="0"/>
+                <a:cs typeface="Arial" panose="020B0604020202020204" pitchFamily="34" charset="0"/>
+              </a:rPr>
+              <a:t>Log-transformed</a:t>
+            </a:r>
+          </a:p>
+        </p:txBody>
+      </p:sp>
+      <p:sp>
+        <p:nvSpPr>
+          <p:cNvPr id="11" name="TextBox 10">
+            <a:extLst>
+              <a:ext uri="{FF2B5EF4-FFF2-40B4-BE49-F238E27FC236}">
+                <a16:creationId xmlns:a16="http://schemas.microsoft.com/office/drawing/2014/main" id="{C20ECA47-BDE9-052A-5BC5-58AFB0CB34CC}"/>
+              </a:ext>
+            </a:extLst>
+          </p:cNvPr>
+          <p:cNvSpPr txBox="1"/>
+          <p:nvPr/>
+        </p:nvSpPr>
+        <p:spPr>
+          <a:xfrm>
+            <a:off x="6016136" y="5048973"/>
+            <a:ext cx="1066863" cy="246221"/>
+          </a:xfrm>
+          <a:prstGeom prst="rect">
+            <a:avLst/>
+          </a:prstGeom>
+          <a:noFill/>
+          <a:ln>
+            <a:noFill/>
+          </a:ln>
+        </p:spPr>
+        <p:txBody>
+          <a:bodyPr wrap="square" rtlCol="0">
+            <a:spAutoFit/>
+          </a:bodyPr>
+          <a:lstStyle/>
+          <a:p>
+            <a:pPr algn="ctr"/>
+            <a:r>
+              <a:rPr lang="en-US" sz="1000" dirty="0">
+                <a:latin typeface="Arial" panose="020B0604020202020204" pitchFamily="34" charset="0"/>
+                <a:cs typeface="Arial" panose="020B0604020202020204" pitchFamily="34" charset="0"/>
+              </a:rPr>
+              <a:t>Linear</a:t>
+            </a:r>
+          </a:p>
+        </p:txBody>
+      </p:sp>
+      <p:sp>
+        <p:nvSpPr>
+          <p:cNvPr id="28" name="TextBox 27">
+            <a:extLst>
+              <a:ext uri="{FF2B5EF4-FFF2-40B4-BE49-F238E27FC236}">
+                <a16:creationId xmlns:a16="http://schemas.microsoft.com/office/drawing/2014/main" id="{A6445AAF-81D5-66A7-371C-2117282F66E3}"/>
+              </a:ext>
+            </a:extLst>
+          </p:cNvPr>
+          <p:cNvSpPr txBox="1"/>
+          <p:nvPr/>
+        </p:nvSpPr>
+        <p:spPr>
+          <a:xfrm>
+            <a:off x="6016136" y="5299796"/>
+            <a:ext cx="1066863" cy="246221"/>
+          </a:xfrm>
+          <a:prstGeom prst="rect">
+            <a:avLst/>
+          </a:prstGeom>
+          <a:noFill/>
+          <a:ln>
+            <a:noFill/>
+          </a:ln>
+        </p:spPr>
+        <p:txBody>
+          <a:bodyPr wrap="square" rtlCol="0">
+            <a:spAutoFit/>
+          </a:bodyPr>
+          <a:lstStyle/>
+          <a:p>
+            <a:pPr algn="ctr"/>
+            <a:r>
+              <a:rPr lang="en-US" sz="1000" dirty="0">
+                <a:solidFill>
+                  <a:srgbClr val="00B050"/>
+                </a:solidFill>
+                <a:latin typeface="Arial" panose="020B0604020202020204" pitchFamily="34" charset="0"/>
+                <a:cs typeface="Arial" panose="020B0604020202020204" pitchFamily="34" charset="0"/>
+              </a:rPr>
+              <a:t>True</a:t>
+            </a:r>
+          </a:p>
+        </p:txBody>
+      </p:sp>
+      <p:sp>
+        <p:nvSpPr>
+          <p:cNvPr id="29" name="TextBox 28">
+            <a:extLst>
+              <a:ext uri="{FF2B5EF4-FFF2-40B4-BE49-F238E27FC236}">
+                <a16:creationId xmlns:a16="http://schemas.microsoft.com/office/drawing/2014/main" id="{D03591A9-6017-3942-50DD-AEE54E9AEEC8}"/>
+              </a:ext>
+            </a:extLst>
+          </p:cNvPr>
+          <p:cNvSpPr txBox="1"/>
+          <p:nvPr/>
+        </p:nvSpPr>
+        <p:spPr>
+          <a:xfrm>
+            <a:off x="5999965" y="6806136"/>
+            <a:ext cx="1099204" cy="246221"/>
+          </a:xfrm>
+          <a:prstGeom prst="rect">
+            <a:avLst/>
+          </a:prstGeom>
+          <a:solidFill>
+            <a:srgbClr val="00B050">
+              <a:alpha val="50196"/>
+            </a:srgbClr>
+          </a:solidFill>
+          <a:ln>
+            <a:noFill/>
+          </a:ln>
+        </p:spPr>
+        <p:txBody>
+          <a:bodyPr wrap="square" rtlCol="0">
+            <a:spAutoFit/>
+          </a:bodyPr>
+          <a:lstStyle/>
+          <a:p>
+            <a:pPr algn="ctr"/>
+            <a:r>
+              <a:rPr lang="en-US" sz="1000" b="1" dirty="0">
+                <a:latin typeface="Arial" panose="020B0604020202020204" pitchFamily="34" charset="0"/>
+                <a:cs typeface="Arial" panose="020B0604020202020204" pitchFamily="34" charset="0"/>
+              </a:rPr>
+              <a:t>Recommended</a:t>
+            </a:r>
+          </a:p>
+        </p:txBody>
+      </p:sp>
+      <p:sp>
+        <p:nvSpPr>
+          <p:cNvPr id="30" name="TextBox 29">
+            <a:extLst>
+              <a:ext uri="{FF2B5EF4-FFF2-40B4-BE49-F238E27FC236}">
+                <a16:creationId xmlns:a16="http://schemas.microsoft.com/office/drawing/2014/main" id="{C00EA236-935F-EF6C-4ED4-8AF73DE70985}"/>
+              </a:ext>
+            </a:extLst>
+          </p:cNvPr>
+          <p:cNvSpPr txBox="1"/>
+          <p:nvPr/>
+        </p:nvSpPr>
+        <p:spPr>
+          <a:xfrm>
+            <a:off x="6016136" y="5807440"/>
+            <a:ext cx="1066863" cy="246221"/>
+          </a:xfrm>
+          <a:prstGeom prst="rect">
+            <a:avLst/>
+          </a:prstGeom>
+          <a:noFill/>
+          <a:ln>
+            <a:noFill/>
+          </a:ln>
+        </p:spPr>
+        <p:txBody>
+          <a:bodyPr wrap="square" rtlCol="0">
+            <a:spAutoFit/>
+          </a:bodyPr>
+          <a:lstStyle/>
+          <a:p>
+            <a:pPr algn="ctr"/>
+            <a:r>
+              <a:rPr lang="en-US" sz="1000" dirty="0">
+                <a:solidFill>
+                  <a:srgbClr val="00B050"/>
+                </a:solidFill>
+                <a:latin typeface="Arial" panose="020B0604020202020204" pitchFamily="34" charset="0"/>
+                <a:cs typeface="Arial" panose="020B0604020202020204" pitchFamily="34" charset="0"/>
+              </a:rPr>
+              <a:t>0</a:t>
+            </a:r>
+          </a:p>
+        </p:txBody>
+      </p:sp>
+      <p:sp>
+        <p:nvSpPr>
+          <p:cNvPr id="39" name="TextBox 38">
+            <a:extLst>
+              <a:ext uri="{FF2B5EF4-FFF2-40B4-BE49-F238E27FC236}">
+                <a16:creationId xmlns:a16="http://schemas.microsoft.com/office/drawing/2014/main" id="{97492F51-0387-1CD9-040A-C9D874054716}"/>
+              </a:ext>
+            </a:extLst>
+          </p:cNvPr>
+          <p:cNvSpPr txBox="1"/>
+          <p:nvPr/>
+        </p:nvSpPr>
+        <p:spPr>
+          <a:xfrm>
+            <a:off x="6016136" y="6061440"/>
+            <a:ext cx="1066863" cy="246221"/>
+          </a:xfrm>
+          <a:prstGeom prst="rect">
+            <a:avLst/>
+          </a:prstGeom>
+          <a:noFill/>
+          <a:ln>
+            <a:noFill/>
+          </a:ln>
+        </p:spPr>
+        <p:txBody>
+          <a:bodyPr wrap="square" rtlCol="0">
+            <a:spAutoFit/>
+          </a:bodyPr>
+          <a:lstStyle/>
+          <a:p>
+            <a:pPr algn="ctr"/>
+            <a:r>
+              <a:rPr lang="en-US" sz="1000" dirty="0">
+                <a:solidFill>
+                  <a:srgbClr val="00B050"/>
+                </a:solidFill>
+                <a:latin typeface="Arial" panose="020B0604020202020204" pitchFamily="34" charset="0"/>
+                <a:cs typeface="Arial" panose="020B0604020202020204" pitchFamily="34" charset="0"/>
+              </a:rPr>
+              <a:t>0</a:t>
+            </a:r>
+          </a:p>
+        </p:txBody>
+      </p:sp>
+      <p:sp>
+        <p:nvSpPr>
+          <p:cNvPr id="40" name="TextBox 39">
+            <a:extLst>
+              <a:ext uri="{FF2B5EF4-FFF2-40B4-BE49-F238E27FC236}">
+                <a16:creationId xmlns:a16="http://schemas.microsoft.com/office/drawing/2014/main" id="{4558B6B8-8D44-79EC-AACE-B90F1076AD52}"/>
+              </a:ext>
+            </a:extLst>
+          </p:cNvPr>
+          <p:cNvSpPr txBox="1"/>
+          <p:nvPr/>
+        </p:nvSpPr>
+        <p:spPr>
+          <a:xfrm>
+            <a:off x="6016136" y="6305915"/>
+            <a:ext cx="1066863" cy="246221"/>
+          </a:xfrm>
+          <a:prstGeom prst="rect">
+            <a:avLst/>
+          </a:prstGeom>
+          <a:noFill/>
+          <a:ln>
+            <a:noFill/>
+          </a:ln>
+        </p:spPr>
+        <p:txBody>
+          <a:bodyPr wrap="square" rtlCol="0">
+            <a:spAutoFit/>
+          </a:bodyPr>
+          <a:lstStyle/>
+          <a:p>
+            <a:pPr algn="ctr"/>
+            <a:r>
+              <a:rPr lang="en-US" sz="1000" dirty="0" err="1">
+                <a:solidFill>
+                  <a:srgbClr val="00B050"/>
+                </a:solidFill>
+                <a:latin typeface="Arial" panose="020B0604020202020204" pitchFamily="34" charset="0"/>
+                <a:cs typeface="Arial" panose="020B0604020202020204" pitchFamily="34" charset="0"/>
+              </a:rPr>
+              <a:t>NaN</a:t>
+            </a:r>
+            <a:endParaRPr lang="en-US" sz="1000" dirty="0">
+              <a:solidFill>
+                <a:srgbClr val="00B050"/>
+              </a:solidFill>
+              <a:latin typeface="Arial" panose="020B0604020202020204" pitchFamily="34" charset="0"/>
+              <a:cs typeface="Arial" panose="020B0604020202020204" pitchFamily="34" charset="0"/>
+            </a:endParaRPr>
+          </a:p>
+        </p:txBody>
+      </p:sp>
+      <p:sp>
+        <p:nvSpPr>
+          <p:cNvPr id="41" name="TextBox 40">
+            <a:extLst>
+              <a:ext uri="{FF2B5EF4-FFF2-40B4-BE49-F238E27FC236}">
+                <a16:creationId xmlns:a16="http://schemas.microsoft.com/office/drawing/2014/main" id="{50450F6F-3F27-1654-7693-7A115666AB73}"/>
+              </a:ext>
+            </a:extLst>
+          </p:cNvPr>
+          <p:cNvSpPr txBox="1"/>
+          <p:nvPr/>
+        </p:nvSpPr>
+        <p:spPr>
+          <a:xfrm>
+            <a:off x="6016136" y="6559915"/>
+            <a:ext cx="1066863" cy="246221"/>
+          </a:xfrm>
+          <a:prstGeom prst="rect">
+            <a:avLst/>
+          </a:prstGeom>
+          <a:noFill/>
+          <a:ln>
+            <a:noFill/>
+          </a:ln>
+        </p:spPr>
+        <p:txBody>
+          <a:bodyPr wrap="square" rtlCol="0">
+            <a:spAutoFit/>
+          </a:bodyPr>
+          <a:lstStyle/>
+          <a:p>
+            <a:pPr algn="ctr"/>
+            <a:r>
+              <a:rPr lang="en-US" sz="1000" dirty="0" err="1">
+                <a:solidFill>
+                  <a:srgbClr val="00B050"/>
+                </a:solidFill>
+                <a:latin typeface="Arial" panose="020B0604020202020204" pitchFamily="34" charset="0"/>
+                <a:cs typeface="Arial" panose="020B0604020202020204" pitchFamily="34" charset="0"/>
+              </a:rPr>
+              <a:t>NaN</a:t>
+            </a:r>
+            <a:endParaRPr lang="en-US" sz="1000" dirty="0">
+              <a:solidFill>
+                <a:srgbClr val="00B050"/>
+              </a:solidFill>
+              <a:latin typeface="Arial" panose="020B0604020202020204" pitchFamily="34" charset="0"/>
+              <a:cs typeface="Arial" panose="020B0604020202020204" pitchFamily="34" charset="0"/>
+            </a:endParaRPr>
+          </a:p>
+        </p:txBody>
+      </p:sp>
+      <p:sp>
+        <p:nvSpPr>
+          <p:cNvPr id="42" name="TextBox 41">
+            <a:extLst>
+              <a:ext uri="{FF2B5EF4-FFF2-40B4-BE49-F238E27FC236}">
+                <a16:creationId xmlns:a16="http://schemas.microsoft.com/office/drawing/2014/main" id="{783904B1-EE41-9317-A74A-36BDE6397A76}"/>
+              </a:ext>
+            </a:extLst>
+          </p:cNvPr>
+          <p:cNvSpPr txBox="1"/>
+          <p:nvPr/>
+        </p:nvSpPr>
+        <p:spPr>
+          <a:xfrm>
+            <a:off x="7465797" y="4558348"/>
+            <a:ext cx="1066863" cy="246221"/>
+          </a:xfrm>
+          <a:prstGeom prst="rect">
+            <a:avLst/>
+          </a:prstGeom>
+          <a:noFill/>
+          <a:ln>
+            <a:noFill/>
+          </a:ln>
+        </p:spPr>
+        <p:txBody>
+          <a:bodyPr wrap="square" rtlCol="0">
+            <a:spAutoFit/>
+          </a:bodyPr>
+          <a:lstStyle/>
+          <a:p>
+            <a:pPr algn="ctr"/>
+            <a:r>
+              <a:rPr lang="en-US" sz="1000" dirty="0">
+                <a:latin typeface="Arial" panose="020B0604020202020204" pitchFamily="34" charset="0"/>
+                <a:cs typeface="Arial" panose="020B0604020202020204" pitchFamily="34" charset="0"/>
+              </a:rPr>
+              <a:t>Bar graph</a:t>
+            </a:r>
+          </a:p>
+        </p:txBody>
+      </p:sp>
+      <p:sp>
+        <p:nvSpPr>
+          <p:cNvPr id="43" name="TextBox 42">
+            <a:extLst>
+              <a:ext uri="{FF2B5EF4-FFF2-40B4-BE49-F238E27FC236}">
+                <a16:creationId xmlns:a16="http://schemas.microsoft.com/office/drawing/2014/main" id="{323A3040-AB5D-A613-B519-343604999D1E}"/>
+              </a:ext>
+            </a:extLst>
+          </p:cNvPr>
+          <p:cNvSpPr txBox="1"/>
+          <p:nvPr/>
+        </p:nvSpPr>
+        <p:spPr>
+          <a:xfrm>
+            <a:off x="7465797" y="4805881"/>
+            <a:ext cx="1066863" cy="246221"/>
+          </a:xfrm>
+          <a:prstGeom prst="rect">
+            <a:avLst/>
+          </a:prstGeom>
+          <a:noFill/>
+          <a:ln>
+            <a:noFill/>
+          </a:ln>
+        </p:spPr>
+        <p:txBody>
+          <a:bodyPr wrap="square" rtlCol="0">
+            <a:spAutoFit/>
+          </a:bodyPr>
+          <a:lstStyle/>
+          <a:p>
+            <a:pPr algn="ctr"/>
+            <a:r>
+              <a:rPr lang="en-US" sz="1000" dirty="0">
+                <a:latin typeface="Arial" panose="020B0604020202020204" pitchFamily="34" charset="0"/>
+                <a:cs typeface="Arial" panose="020B0604020202020204" pitchFamily="34" charset="0"/>
+              </a:rPr>
+              <a:t>Original</a:t>
+            </a:r>
+          </a:p>
+        </p:txBody>
+      </p:sp>
+      <p:sp>
+        <p:nvSpPr>
+          <p:cNvPr id="44" name="TextBox 43">
+            <a:extLst>
+              <a:ext uri="{FF2B5EF4-FFF2-40B4-BE49-F238E27FC236}">
+                <a16:creationId xmlns:a16="http://schemas.microsoft.com/office/drawing/2014/main" id="{CE4C8653-A69D-415C-946A-581A85353811}"/>
+              </a:ext>
+            </a:extLst>
+          </p:cNvPr>
+          <p:cNvSpPr txBox="1"/>
+          <p:nvPr/>
+        </p:nvSpPr>
+        <p:spPr>
+          <a:xfrm>
+            <a:off x="7465797" y="5048973"/>
+            <a:ext cx="1066863" cy="246221"/>
+          </a:xfrm>
+          <a:prstGeom prst="rect">
+            <a:avLst/>
+          </a:prstGeom>
+          <a:noFill/>
+          <a:ln>
+            <a:noFill/>
+          </a:ln>
+        </p:spPr>
+        <p:txBody>
+          <a:bodyPr wrap="square" rtlCol="0">
+            <a:spAutoFit/>
+          </a:bodyPr>
+          <a:lstStyle/>
+          <a:p>
+            <a:pPr algn="ctr"/>
+            <a:r>
+              <a:rPr lang="en-US" sz="1000" dirty="0">
+                <a:latin typeface="Arial" panose="020B0604020202020204" pitchFamily="34" charset="0"/>
+                <a:cs typeface="Arial" panose="020B0604020202020204" pitchFamily="34" charset="0"/>
+              </a:rPr>
+              <a:t>Logarithmic</a:t>
+            </a:r>
+          </a:p>
+        </p:txBody>
+      </p:sp>
+      <p:sp>
+        <p:nvSpPr>
+          <p:cNvPr id="45" name="TextBox 44">
+            <a:extLst>
+              <a:ext uri="{FF2B5EF4-FFF2-40B4-BE49-F238E27FC236}">
+                <a16:creationId xmlns:a16="http://schemas.microsoft.com/office/drawing/2014/main" id="{A583D764-38F7-08CF-87DB-981D8D3ED90C}"/>
+              </a:ext>
+            </a:extLst>
+          </p:cNvPr>
+          <p:cNvSpPr txBox="1"/>
+          <p:nvPr/>
+        </p:nvSpPr>
+        <p:spPr>
+          <a:xfrm>
+            <a:off x="7465797" y="5299796"/>
+            <a:ext cx="1066863" cy="246221"/>
+          </a:xfrm>
+          <a:prstGeom prst="rect">
+            <a:avLst/>
+          </a:prstGeom>
+          <a:noFill/>
+          <a:ln>
+            <a:noFill/>
+          </a:ln>
+        </p:spPr>
+        <p:txBody>
+          <a:bodyPr wrap="square" rtlCol="0">
+            <a:spAutoFit/>
+          </a:bodyPr>
+          <a:lstStyle/>
+          <a:p>
+            <a:pPr algn="ctr"/>
+            <a:r>
+              <a:rPr lang="en-US" sz="1000" dirty="0">
+                <a:solidFill>
+                  <a:srgbClr val="B30000"/>
+                </a:solidFill>
+                <a:latin typeface="Arial" panose="020B0604020202020204" pitchFamily="34" charset="0"/>
+                <a:cs typeface="Arial" panose="020B0604020202020204" pitchFamily="34" charset="0"/>
+              </a:rPr>
+              <a:t>False</a:t>
+            </a:r>
+          </a:p>
+        </p:txBody>
+      </p:sp>
+      <p:sp>
+        <p:nvSpPr>
+          <p:cNvPr id="46" name="TextBox 45">
+            <a:extLst>
+              <a:ext uri="{FF2B5EF4-FFF2-40B4-BE49-F238E27FC236}">
+                <a16:creationId xmlns:a16="http://schemas.microsoft.com/office/drawing/2014/main" id="{56D0F520-BE6F-A78C-0BA0-511EC6D2095B}"/>
+              </a:ext>
+            </a:extLst>
+          </p:cNvPr>
+          <p:cNvSpPr txBox="1"/>
+          <p:nvPr/>
+        </p:nvSpPr>
+        <p:spPr>
+          <a:xfrm>
+            <a:off x="7465797" y="6806136"/>
+            <a:ext cx="1066863" cy="246221"/>
+          </a:xfrm>
+          <a:prstGeom prst="rect">
+            <a:avLst/>
+          </a:prstGeom>
+          <a:solidFill>
+            <a:srgbClr val="C00000">
+              <a:alpha val="50196"/>
+            </a:srgbClr>
+          </a:solidFill>
+          <a:ln>
+            <a:noFill/>
+          </a:ln>
+        </p:spPr>
+        <p:txBody>
+          <a:bodyPr wrap="square" rtlCol="0">
+            <a:spAutoFit/>
+          </a:bodyPr>
+          <a:lstStyle/>
+          <a:p>
+            <a:pPr algn="ctr"/>
+            <a:r>
+              <a:rPr lang="en-US" sz="1000" b="1" dirty="0">
+                <a:latin typeface="Arial" panose="020B0604020202020204" pitchFamily="34" charset="0"/>
+                <a:cs typeface="Arial" panose="020B0604020202020204" pitchFamily="34" charset="0"/>
+              </a:rPr>
+              <a:t>Incorrect</a:t>
+            </a:r>
+          </a:p>
+        </p:txBody>
+      </p:sp>
+      <p:sp>
+        <p:nvSpPr>
+          <p:cNvPr id="47" name="TextBox 46">
+            <a:extLst>
+              <a:ext uri="{FF2B5EF4-FFF2-40B4-BE49-F238E27FC236}">
+                <a16:creationId xmlns:a16="http://schemas.microsoft.com/office/drawing/2014/main" id="{4EFAD4B6-AB08-1283-530D-B5E5406C26F0}"/>
+              </a:ext>
+            </a:extLst>
+          </p:cNvPr>
+          <p:cNvSpPr txBox="1"/>
+          <p:nvPr/>
+        </p:nvSpPr>
+        <p:spPr>
+          <a:xfrm>
+            <a:off x="7465797" y="5807440"/>
+            <a:ext cx="1066863" cy="246221"/>
+          </a:xfrm>
+          <a:prstGeom prst="rect">
+            <a:avLst/>
+          </a:prstGeom>
+          <a:noFill/>
+          <a:ln>
+            <a:noFill/>
+          </a:ln>
+        </p:spPr>
+        <p:txBody>
+          <a:bodyPr wrap="square" rtlCol="0">
+            <a:spAutoFit/>
+          </a:bodyPr>
+          <a:lstStyle/>
+          <a:p>
+            <a:pPr algn="ctr"/>
+            <a:r>
+              <a:rPr lang="en-US" sz="1000" dirty="0">
+                <a:solidFill>
+                  <a:srgbClr val="B30000"/>
+                </a:solidFill>
+                <a:latin typeface="Arial" panose="020B0604020202020204" pitchFamily="34" charset="0"/>
+                <a:cs typeface="Arial" panose="020B0604020202020204" pitchFamily="34" charset="0"/>
+              </a:rPr>
+              <a:t>–0.20</a:t>
+            </a:r>
+          </a:p>
+        </p:txBody>
+      </p:sp>
+      <p:sp>
+        <p:nvSpPr>
+          <p:cNvPr id="48" name="TextBox 47">
+            <a:extLst>
+              <a:ext uri="{FF2B5EF4-FFF2-40B4-BE49-F238E27FC236}">
+                <a16:creationId xmlns:a16="http://schemas.microsoft.com/office/drawing/2014/main" id="{445C08C1-AFA9-C83C-0DBF-358DAB013BF7}"/>
+              </a:ext>
+            </a:extLst>
+          </p:cNvPr>
+          <p:cNvSpPr txBox="1"/>
+          <p:nvPr/>
+        </p:nvSpPr>
+        <p:spPr>
+          <a:xfrm>
+            <a:off x="7465797" y="6061440"/>
+            <a:ext cx="1066863" cy="246221"/>
+          </a:xfrm>
+          <a:prstGeom prst="rect">
+            <a:avLst/>
+          </a:prstGeom>
+          <a:noFill/>
+          <a:ln>
+            <a:noFill/>
+          </a:ln>
+        </p:spPr>
+        <p:txBody>
+          <a:bodyPr wrap="square" rtlCol="0">
+            <a:spAutoFit/>
+          </a:bodyPr>
+          <a:lstStyle/>
+          <a:p>
+            <a:pPr algn="ctr"/>
+            <a:r>
+              <a:rPr lang="en-US" sz="1000" dirty="0">
+                <a:solidFill>
+                  <a:srgbClr val="B30000"/>
+                </a:solidFill>
+                <a:latin typeface="Arial" panose="020B0604020202020204" pitchFamily="34" charset="0"/>
+                <a:cs typeface="Arial" panose="020B0604020202020204" pitchFamily="34" charset="0"/>
+              </a:rPr>
+              <a:t>0.18</a:t>
+            </a:r>
+          </a:p>
+        </p:txBody>
+      </p:sp>
+      <p:sp>
+        <p:nvSpPr>
+          <p:cNvPr id="49" name="TextBox 48">
+            <a:extLst>
+              <a:ext uri="{FF2B5EF4-FFF2-40B4-BE49-F238E27FC236}">
+                <a16:creationId xmlns:a16="http://schemas.microsoft.com/office/drawing/2014/main" id="{71ABC646-235F-2125-2445-A314EBFB10F7}"/>
+              </a:ext>
+            </a:extLst>
+          </p:cNvPr>
+          <p:cNvSpPr txBox="1"/>
+          <p:nvPr/>
+        </p:nvSpPr>
+        <p:spPr>
+          <a:xfrm>
+            <a:off x="7465797" y="6305915"/>
+            <a:ext cx="1066863" cy="246221"/>
+          </a:xfrm>
+          <a:prstGeom prst="rect">
+            <a:avLst/>
+          </a:prstGeom>
+          <a:noFill/>
+          <a:ln>
+            <a:noFill/>
+          </a:ln>
+        </p:spPr>
+        <p:txBody>
+          <a:bodyPr wrap="square" rtlCol="0">
+            <a:spAutoFit/>
+          </a:bodyPr>
+          <a:lstStyle/>
+          <a:p>
+            <a:pPr algn="ctr"/>
+            <a:r>
+              <a:rPr lang="en-US" sz="1000" dirty="0">
+                <a:solidFill>
+                  <a:srgbClr val="B30000"/>
+                </a:solidFill>
+                <a:latin typeface="Arial" panose="020B0604020202020204" pitchFamily="34" charset="0"/>
+                <a:cs typeface="Arial" panose="020B0604020202020204" pitchFamily="34" charset="0"/>
+              </a:rPr>
+              <a:t>–0.60</a:t>
+            </a:r>
+          </a:p>
+        </p:txBody>
+      </p:sp>
+      <p:sp>
+        <p:nvSpPr>
+          <p:cNvPr id="50" name="TextBox 49">
+            <a:extLst>
+              <a:ext uri="{FF2B5EF4-FFF2-40B4-BE49-F238E27FC236}">
+                <a16:creationId xmlns:a16="http://schemas.microsoft.com/office/drawing/2014/main" id="{12361291-2011-5658-A35C-96CC1CD48AF0}"/>
+              </a:ext>
+            </a:extLst>
+          </p:cNvPr>
+          <p:cNvSpPr txBox="1"/>
+          <p:nvPr/>
+        </p:nvSpPr>
+        <p:spPr>
+          <a:xfrm>
+            <a:off x="7465797" y="6559915"/>
+            <a:ext cx="1066863" cy="246221"/>
+          </a:xfrm>
+          <a:prstGeom prst="rect">
+            <a:avLst/>
+          </a:prstGeom>
+          <a:noFill/>
+          <a:ln>
+            <a:noFill/>
+          </a:ln>
+        </p:spPr>
+        <p:txBody>
+          <a:bodyPr wrap="square" rtlCol="0">
+            <a:spAutoFit/>
+          </a:bodyPr>
+          <a:lstStyle/>
+          <a:p>
+            <a:pPr algn="ctr"/>
+            <a:r>
+              <a:rPr lang="en-US" sz="1000" dirty="0">
+                <a:solidFill>
+                  <a:srgbClr val="B30000"/>
+                </a:solidFill>
+                <a:latin typeface="Arial" panose="020B0604020202020204" pitchFamily="34" charset="0"/>
+                <a:cs typeface="Arial" panose="020B0604020202020204" pitchFamily="34" charset="0"/>
+              </a:rPr>
+              <a:t>–0.31</a:t>
+            </a:r>
+          </a:p>
+        </p:txBody>
+      </p:sp>
+      <p:sp>
+        <p:nvSpPr>
+          <p:cNvPr id="61" name="TextBox 60">
+            <a:extLst>
+              <a:ext uri="{FF2B5EF4-FFF2-40B4-BE49-F238E27FC236}">
+                <a16:creationId xmlns:a16="http://schemas.microsoft.com/office/drawing/2014/main" id="{1BAFE055-9B49-4F90-073C-4D7B7E7B8D23}"/>
+              </a:ext>
+            </a:extLst>
+          </p:cNvPr>
+          <p:cNvSpPr txBox="1"/>
+          <p:nvPr/>
+        </p:nvSpPr>
+        <p:spPr>
+          <a:xfrm>
+            <a:off x="8880577" y="4558348"/>
+            <a:ext cx="1066863" cy="246221"/>
+          </a:xfrm>
+          <a:prstGeom prst="rect">
+            <a:avLst/>
+          </a:prstGeom>
+          <a:noFill/>
+          <a:ln>
+            <a:noFill/>
+          </a:ln>
+        </p:spPr>
+        <p:txBody>
+          <a:bodyPr wrap="square" rtlCol="0">
+            <a:spAutoFit/>
+          </a:bodyPr>
+          <a:lstStyle/>
+          <a:p>
+            <a:pPr algn="ctr"/>
+            <a:r>
+              <a:rPr lang="en-US" sz="1000" dirty="0">
+                <a:latin typeface="Arial" panose="020B0604020202020204" pitchFamily="34" charset="0"/>
+                <a:cs typeface="Arial" panose="020B0604020202020204" pitchFamily="34" charset="0"/>
+              </a:rPr>
+              <a:t>Bar graph</a:t>
+            </a:r>
+          </a:p>
+        </p:txBody>
+      </p:sp>
+      <p:sp>
+        <p:nvSpPr>
+          <p:cNvPr id="62" name="TextBox 61">
+            <a:extLst>
+              <a:ext uri="{FF2B5EF4-FFF2-40B4-BE49-F238E27FC236}">
+                <a16:creationId xmlns:a16="http://schemas.microsoft.com/office/drawing/2014/main" id="{7B23019A-662D-C8DD-DECB-1E5C1D74529A}"/>
+              </a:ext>
+            </a:extLst>
+          </p:cNvPr>
+          <p:cNvSpPr txBox="1"/>
+          <p:nvPr/>
+        </p:nvSpPr>
+        <p:spPr>
+          <a:xfrm>
+            <a:off x="8836633" y="4805881"/>
+            <a:ext cx="1154750" cy="246221"/>
+          </a:xfrm>
+          <a:prstGeom prst="rect">
+            <a:avLst/>
+          </a:prstGeom>
+          <a:noFill/>
+          <a:ln>
+            <a:noFill/>
+          </a:ln>
+        </p:spPr>
+        <p:txBody>
+          <a:bodyPr wrap="square" rtlCol="0">
+            <a:spAutoFit/>
+          </a:bodyPr>
+          <a:lstStyle/>
+          <a:p>
+            <a:pPr algn="ctr"/>
+            <a:r>
+              <a:rPr lang="en-US" sz="1000" dirty="0">
+                <a:latin typeface="Arial" panose="020B0604020202020204" pitchFamily="34" charset="0"/>
+                <a:cs typeface="Arial" panose="020B0604020202020204" pitchFamily="34" charset="0"/>
+              </a:rPr>
+              <a:t>Original</a:t>
+            </a:r>
+          </a:p>
+        </p:txBody>
+      </p:sp>
+      <p:sp>
+        <p:nvSpPr>
+          <p:cNvPr id="63" name="TextBox 62">
+            <a:extLst>
+              <a:ext uri="{FF2B5EF4-FFF2-40B4-BE49-F238E27FC236}">
+                <a16:creationId xmlns:a16="http://schemas.microsoft.com/office/drawing/2014/main" id="{B2E2E90B-B63F-5F0D-FD75-7A38F4FC27E6}"/>
+              </a:ext>
+            </a:extLst>
+          </p:cNvPr>
+          <p:cNvSpPr txBox="1"/>
+          <p:nvPr/>
+        </p:nvSpPr>
+        <p:spPr>
+          <a:xfrm>
+            <a:off x="8880577" y="5048973"/>
+            <a:ext cx="1066863" cy="246221"/>
+          </a:xfrm>
+          <a:prstGeom prst="rect">
+            <a:avLst/>
+          </a:prstGeom>
+          <a:noFill/>
+          <a:ln>
+            <a:noFill/>
+          </a:ln>
+        </p:spPr>
+        <p:txBody>
+          <a:bodyPr wrap="square" rtlCol="0">
+            <a:spAutoFit/>
+          </a:bodyPr>
+          <a:lstStyle/>
+          <a:p>
+            <a:pPr algn="ctr"/>
+            <a:r>
+              <a:rPr lang="en-US" sz="1000" dirty="0">
+                <a:latin typeface="Arial" panose="020B0604020202020204" pitchFamily="34" charset="0"/>
+                <a:cs typeface="Arial" panose="020B0604020202020204" pitchFamily="34" charset="0"/>
+              </a:rPr>
+              <a:t>Logarithmic</a:t>
+            </a:r>
+          </a:p>
+        </p:txBody>
+      </p:sp>
+      <p:sp>
+        <p:nvSpPr>
+          <p:cNvPr id="64" name="TextBox 63">
+            <a:extLst>
+              <a:ext uri="{FF2B5EF4-FFF2-40B4-BE49-F238E27FC236}">
+                <a16:creationId xmlns:a16="http://schemas.microsoft.com/office/drawing/2014/main" id="{29B86CDA-6EE6-FDC2-3189-E531E300A54E}"/>
+              </a:ext>
+            </a:extLst>
+          </p:cNvPr>
+          <p:cNvSpPr txBox="1"/>
+          <p:nvPr/>
+        </p:nvSpPr>
+        <p:spPr>
+          <a:xfrm>
+            <a:off x="8880577" y="5299796"/>
+            <a:ext cx="1066863" cy="246221"/>
+          </a:xfrm>
+          <a:prstGeom prst="rect">
+            <a:avLst/>
+          </a:prstGeom>
+          <a:noFill/>
+          <a:ln>
+            <a:noFill/>
+          </a:ln>
+        </p:spPr>
+        <p:txBody>
+          <a:bodyPr wrap="square" rtlCol="0">
+            <a:spAutoFit/>
+          </a:bodyPr>
+          <a:lstStyle/>
+          <a:p>
+            <a:pPr algn="ctr"/>
+            <a:r>
+              <a:rPr lang="en-US" sz="1000" dirty="0">
+                <a:solidFill>
+                  <a:srgbClr val="B30000"/>
+                </a:solidFill>
+                <a:latin typeface="Arial" panose="020B0604020202020204" pitchFamily="34" charset="0"/>
+                <a:cs typeface="Arial" panose="020B0604020202020204" pitchFamily="34" charset="0"/>
+              </a:rPr>
+              <a:t>False</a:t>
+            </a:r>
+          </a:p>
+        </p:txBody>
+      </p:sp>
+      <p:sp>
+        <p:nvSpPr>
+          <p:cNvPr id="65" name="TextBox 64">
+            <a:extLst>
+              <a:ext uri="{FF2B5EF4-FFF2-40B4-BE49-F238E27FC236}">
+                <a16:creationId xmlns:a16="http://schemas.microsoft.com/office/drawing/2014/main" id="{17EBBF58-6E67-EFEB-2CE8-62E74362E7A7}"/>
+              </a:ext>
+            </a:extLst>
+          </p:cNvPr>
+          <p:cNvSpPr txBox="1"/>
+          <p:nvPr/>
+        </p:nvSpPr>
+        <p:spPr>
+          <a:xfrm>
+            <a:off x="8880577" y="6806136"/>
+            <a:ext cx="1066863" cy="246221"/>
+          </a:xfrm>
+          <a:prstGeom prst="rect">
+            <a:avLst/>
+          </a:prstGeom>
+          <a:solidFill>
+            <a:srgbClr val="C00000">
+              <a:alpha val="50196"/>
+            </a:srgbClr>
+          </a:solidFill>
+          <a:ln>
+            <a:noFill/>
+          </a:ln>
+        </p:spPr>
+        <p:txBody>
+          <a:bodyPr wrap="square" rtlCol="0">
+            <a:spAutoFit/>
+          </a:bodyPr>
+          <a:lstStyle/>
+          <a:p>
+            <a:pPr algn="ctr"/>
+            <a:r>
+              <a:rPr lang="en-US" sz="1000" b="1" dirty="0">
+                <a:latin typeface="Arial" panose="020B0604020202020204" pitchFamily="34" charset="0"/>
+                <a:cs typeface="Arial" panose="020B0604020202020204" pitchFamily="34" charset="0"/>
+              </a:rPr>
+              <a:t>Incorrect</a:t>
+            </a:r>
+          </a:p>
+        </p:txBody>
+      </p:sp>
+      <p:sp>
+        <p:nvSpPr>
+          <p:cNvPr id="66" name="TextBox 65">
+            <a:extLst>
+              <a:ext uri="{FF2B5EF4-FFF2-40B4-BE49-F238E27FC236}">
+                <a16:creationId xmlns:a16="http://schemas.microsoft.com/office/drawing/2014/main" id="{F9B3FB25-ED22-49C8-CBBE-35310078C617}"/>
+              </a:ext>
+            </a:extLst>
+          </p:cNvPr>
+          <p:cNvSpPr txBox="1"/>
+          <p:nvPr/>
+        </p:nvSpPr>
+        <p:spPr>
+          <a:xfrm>
+            <a:off x="8880577" y="5807440"/>
+            <a:ext cx="1066863" cy="246221"/>
+          </a:xfrm>
+          <a:prstGeom prst="rect">
+            <a:avLst/>
+          </a:prstGeom>
+          <a:noFill/>
+          <a:ln>
+            <a:noFill/>
+          </a:ln>
+        </p:spPr>
+        <p:txBody>
+          <a:bodyPr wrap="square" rtlCol="0">
+            <a:spAutoFit/>
+          </a:bodyPr>
+          <a:lstStyle/>
+          <a:p>
+            <a:pPr algn="ctr"/>
+            <a:r>
+              <a:rPr lang="en-US" sz="1000" dirty="0">
+                <a:solidFill>
+                  <a:srgbClr val="B30000"/>
+                </a:solidFill>
+                <a:latin typeface="Arial" panose="020B0604020202020204" pitchFamily="34" charset="0"/>
+                <a:cs typeface="Arial" panose="020B0604020202020204" pitchFamily="34" charset="0"/>
+              </a:rPr>
+              <a:t>Inf</a:t>
+            </a:r>
+          </a:p>
+        </p:txBody>
+      </p:sp>
+      <p:sp>
+        <p:nvSpPr>
+          <p:cNvPr id="67" name="TextBox 66">
+            <a:extLst>
+              <a:ext uri="{FF2B5EF4-FFF2-40B4-BE49-F238E27FC236}">
+                <a16:creationId xmlns:a16="http://schemas.microsoft.com/office/drawing/2014/main" id="{05A80642-BA35-33C3-A012-A60B4BB424FA}"/>
+              </a:ext>
+            </a:extLst>
+          </p:cNvPr>
+          <p:cNvSpPr txBox="1"/>
+          <p:nvPr/>
+        </p:nvSpPr>
+        <p:spPr>
+          <a:xfrm>
+            <a:off x="8880577" y="6061440"/>
+            <a:ext cx="1066863" cy="246221"/>
+          </a:xfrm>
+          <a:prstGeom prst="rect">
+            <a:avLst/>
+          </a:prstGeom>
+          <a:noFill/>
+          <a:ln>
+            <a:noFill/>
+          </a:ln>
+        </p:spPr>
+        <p:txBody>
+          <a:bodyPr wrap="square" rtlCol="0">
+            <a:spAutoFit/>
+          </a:bodyPr>
+          <a:lstStyle/>
+          <a:p>
+            <a:pPr algn="ctr"/>
+            <a:r>
+              <a:rPr lang="en-US" sz="1000" dirty="0">
+                <a:solidFill>
+                  <a:srgbClr val="B30000"/>
+                </a:solidFill>
+                <a:latin typeface="Arial" panose="020B0604020202020204" pitchFamily="34" charset="0"/>
+                <a:cs typeface="Arial" panose="020B0604020202020204" pitchFamily="34" charset="0"/>
+              </a:rPr>
+              <a:t>–Inf</a:t>
+            </a:r>
+          </a:p>
+        </p:txBody>
+      </p:sp>
+      <p:sp>
+        <p:nvSpPr>
+          <p:cNvPr id="68" name="TextBox 67">
+            <a:extLst>
+              <a:ext uri="{FF2B5EF4-FFF2-40B4-BE49-F238E27FC236}">
+                <a16:creationId xmlns:a16="http://schemas.microsoft.com/office/drawing/2014/main" id="{35DD07A2-78FC-B7E6-2770-0564C54E3C1F}"/>
+              </a:ext>
+            </a:extLst>
+          </p:cNvPr>
+          <p:cNvSpPr txBox="1"/>
+          <p:nvPr/>
+        </p:nvSpPr>
+        <p:spPr>
+          <a:xfrm>
+            <a:off x="8880577" y="6305915"/>
+            <a:ext cx="1066863" cy="246221"/>
+          </a:xfrm>
+          <a:prstGeom prst="rect">
+            <a:avLst/>
+          </a:prstGeom>
+          <a:noFill/>
+          <a:ln>
+            <a:noFill/>
+          </a:ln>
+        </p:spPr>
+        <p:txBody>
+          <a:bodyPr wrap="square" rtlCol="0">
+            <a:spAutoFit/>
+          </a:bodyPr>
+          <a:lstStyle/>
+          <a:p>
+            <a:pPr algn="ctr"/>
+            <a:r>
+              <a:rPr lang="en-US" sz="1000" dirty="0">
+                <a:solidFill>
+                  <a:srgbClr val="B30000"/>
+                </a:solidFill>
+                <a:latin typeface="Arial" panose="020B0604020202020204" pitchFamily="34" charset="0"/>
+                <a:cs typeface="Arial" panose="020B0604020202020204" pitchFamily="34" charset="0"/>
+              </a:rPr>
+              <a:t>Inf</a:t>
+            </a:r>
+          </a:p>
+        </p:txBody>
+      </p:sp>
+      <p:sp>
+        <p:nvSpPr>
+          <p:cNvPr id="69" name="TextBox 68">
+            <a:extLst>
+              <a:ext uri="{FF2B5EF4-FFF2-40B4-BE49-F238E27FC236}">
+                <a16:creationId xmlns:a16="http://schemas.microsoft.com/office/drawing/2014/main" id="{DC53B881-F5C0-786C-0591-05869AC021A6}"/>
+              </a:ext>
+            </a:extLst>
+          </p:cNvPr>
+          <p:cNvSpPr txBox="1"/>
+          <p:nvPr/>
+        </p:nvSpPr>
+        <p:spPr>
+          <a:xfrm>
+            <a:off x="8880577" y="6559915"/>
+            <a:ext cx="1066863" cy="246221"/>
+          </a:xfrm>
+          <a:prstGeom prst="rect">
+            <a:avLst/>
+          </a:prstGeom>
+          <a:noFill/>
+          <a:ln>
+            <a:noFill/>
+          </a:ln>
+        </p:spPr>
+        <p:txBody>
+          <a:bodyPr wrap="square" rtlCol="0">
+            <a:spAutoFit/>
+          </a:bodyPr>
+          <a:lstStyle/>
+          <a:p>
+            <a:pPr algn="ctr"/>
+            <a:r>
+              <a:rPr lang="en-US" sz="1000" dirty="0">
+                <a:solidFill>
+                  <a:srgbClr val="B30000"/>
+                </a:solidFill>
+                <a:latin typeface="Arial" panose="020B0604020202020204" pitchFamily="34" charset="0"/>
+                <a:cs typeface="Arial" panose="020B0604020202020204" pitchFamily="34" charset="0"/>
+              </a:rPr>
+              <a:t>Inf</a:t>
+            </a:r>
+          </a:p>
+        </p:txBody>
+      </p:sp>
+      <p:sp>
+        <p:nvSpPr>
+          <p:cNvPr id="70" name="TextBox 69">
+            <a:extLst>
+              <a:ext uri="{FF2B5EF4-FFF2-40B4-BE49-F238E27FC236}">
+                <a16:creationId xmlns:a16="http://schemas.microsoft.com/office/drawing/2014/main" id="{3C7D8780-E5A3-86BD-F6A0-598DB289C7C2}"/>
+              </a:ext>
+            </a:extLst>
+          </p:cNvPr>
+          <p:cNvSpPr txBox="1"/>
+          <p:nvPr/>
+        </p:nvSpPr>
+        <p:spPr>
+          <a:xfrm>
+            <a:off x="5825659" y="1615858"/>
+            <a:ext cx="255199" cy="246221"/>
+          </a:xfrm>
+          <a:prstGeom prst="rect">
+            <a:avLst/>
+          </a:prstGeom>
+          <a:noFill/>
+          <a:ln>
+            <a:noFill/>
+          </a:ln>
+        </p:spPr>
+        <p:txBody>
+          <a:bodyPr wrap="none" rtlCol="0">
+            <a:spAutoFit/>
+          </a:bodyPr>
+          <a:lstStyle/>
+          <a:p>
+            <a:pPr algn="ctr"/>
+            <a:r>
+              <a:rPr lang="en-US" sz="1000" b="1" dirty="0">
+                <a:latin typeface="Arial" panose="020B0604020202020204" pitchFamily="34" charset="0"/>
+                <a:cs typeface="Arial" panose="020B0604020202020204" pitchFamily="34" charset="0"/>
+              </a:rPr>
+              <a:t>c</a:t>
+            </a:r>
+          </a:p>
+        </p:txBody>
+      </p:sp>
+      <p:sp>
+        <p:nvSpPr>
+          <p:cNvPr id="71" name="TextBox 70">
+            <a:extLst>
+              <a:ext uri="{FF2B5EF4-FFF2-40B4-BE49-F238E27FC236}">
+                <a16:creationId xmlns:a16="http://schemas.microsoft.com/office/drawing/2014/main" id="{8409AC3F-A707-27E8-9CD1-4D953B2E1ADA}"/>
+              </a:ext>
+            </a:extLst>
+          </p:cNvPr>
+          <p:cNvSpPr txBox="1"/>
+          <p:nvPr/>
+        </p:nvSpPr>
+        <p:spPr>
+          <a:xfrm>
+            <a:off x="7212724" y="1615858"/>
+            <a:ext cx="263214" cy="246221"/>
+          </a:xfrm>
+          <a:prstGeom prst="rect">
+            <a:avLst/>
+          </a:prstGeom>
+          <a:noFill/>
+          <a:ln>
+            <a:noFill/>
+          </a:ln>
+        </p:spPr>
+        <p:txBody>
+          <a:bodyPr wrap="none" rtlCol="0">
+            <a:spAutoFit/>
+          </a:bodyPr>
+          <a:lstStyle/>
+          <a:p>
+            <a:pPr algn="ctr"/>
+            <a:r>
+              <a:rPr lang="en-US" sz="1000" b="1" dirty="0">
+                <a:latin typeface="Arial" panose="020B0604020202020204" pitchFamily="34" charset="0"/>
+                <a:cs typeface="Arial" panose="020B0604020202020204" pitchFamily="34" charset="0"/>
+              </a:rPr>
+              <a:t>d</a:t>
+            </a:r>
+          </a:p>
+        </p:txBody>
+      </p:sp>
+      <p:sp>
+        <p:nvSpPr>
+          <p:cNvPr id="72" name="TextBox 71">
+            <a:extLst>
+              <a:ext uri="{FF2B5EF4-FFF2-40B4-BE49-F238E27FC236}">
+                <a16:creationId xmlns:a16="http://schemas.microsoft.com/office/drawing/2014/main" id="{331A1301-F9AD-7AC5-749F-24966E96BB7A}"/>
+              </a:ext>
+            </a:extLst>
+          </p:cNvPr>
+          <p:cNvSpPr txBox="1"/>
+          <p:nvPr/>
+        </p:nvSpPr>
+        <p:spPr>
+          <a:xfrm>
+            <a:off x="8653902" y="1615858"/>
+            <a:ext cx="255199" cy="246221"/>
+          </a:xfrm>
+          <a:prstGeom prst="rect">
+            <a:avLst/>
+          </a:prstGeom>
+          <a:noFill/>
+          <a:ln>
+            <a:noFill/>
+          </a:ln>
+        </p:spPr>
+        <p:txBody>
+          <a:bodyPr wrap="none" rtlCol="0">
+            <a:spAutoFit/>
+          </a:bodyPr>
+          <a:lstStyle/>
+          <a:p>
+            <a:pPr algn="ctr"/>
+            <a:r>
+              <a:rPr lang="en-US" sz="1000" b="1" dirty="0">
+                <a:latin typeface="Arial" panose="020B0604020202020204" pitchFamily="34" charset="0"/>
+                <a:cs typeface="Arial" panose="020B0604020202020204" pitchFamily="34" charset="0"/>
+              </a:rPr>
+              <a:t>e</a:t>
+            </a:r>
+          </a:p>
+        </p:txBody>
+      </p:sp>
+      <p:sp>
+        <p:nvSpPr>
+          <p:cNvPr id="2" name="TextBox 1">
+            <a:extLst>
+              <a:ext uri="{FF2B5EF4-FFF2-40B4-BE49-F238E27FC236}">
+                <a16:creationId xmlns:a16="http://schemas.microsoft.com/office/drawing/2014/main" id="{56C10BA3-DF10-7340-357A-C36C2FE44C4B}"/>
+              </a:ext>
+            </a:extLst>
+          </p:cNvPr>
+          <p:cNvSpPr txBox="1"/>
+          <p:nvPr/>
+        </p:nvSpPr>
+        <p:spPr>
+          <a:xfrm>
+            <a:off x="10297897" y="4558348"/>
+            <a:ext cx="1066863" cy="246221"/>
+          </a:xfrm>
+          <a:prstGeom prst="rect">
+            <a:avLst/>
+          </a:prstGeom>
+          <a:noFill/>
+          <a:ln>
+            <a:noFill/>
+          </a:ln>
+        </p:spPr>
+        <p:txBody>
+          <a:bodyPr wrap="square" rtlCol="0">
+            <a:spAutoFit/>
+          </a:bodyPr>
+          <a:lstStyle/>
+          <a:p>
+            <a:pPr algn="ctr"/>
+            <a:r>
+              <a:rPr lang="en-US" sz="1000" dirty="0">
+                <a:latin typeface="Arial" panose="020B0604020202020204" pitchFamily="34" charset="0"/>
+                <a:cs typeface="Arial" panose="020B0604020202020204" pitchFamily="34" charset="0"/>
+              </a:rPr>
+              <a:t>Bar graph</a:t>
+            </a:r>
+          </a:p>
+        </p:txBody>
+      </p:sp>
+      <p:sp>
+        <p:nvSpPr>
+          <p:cNvPr id="51" name="TextBox 50">
+            <a:extLst>
+              <a:ext uri="{FF2B5EF4-FFF2-40B4-BE49-F238E27FC236}">
+                <a16:creationId xmlns:a16="http://schemas.microsoft.com/office/drawing/2014/main" id="{77447261-C738-9BFE-FEDC-3B3B15534FA4}"/>
+              </a:ext>
+            </a:extLst>
+          </p:cNvPr>
+          <p:cNvSpPr txBox="1"/>
+          <p:nvPr/>
+        </p:nvSpPr>
+        <p:spPr>
+          <a:xfrm>
+            <a:off x="10253953" y="4805881"/>
+            <a:ext cx="1154750" cy="246221"/>
+          </a:xfrm>
+          <a:prstGeom prst="rect">
+            <a:avLst/>
+          </a:prstGeom>
+          <a:noFill/>
+          <a:ln>
+            <a:noFill/>
+          </a:ln>
+        </p:spPr>
+        <p:txBody>
+          <a:bodyPr wrap="square" rtlCol="0">
+            <a:spAutoFit/>
+          </a:bodyPr>
+          <a:lstStyle/>
+          <a:p>
+            <a:pPr algn="ctr"/>
+            <a:r>
+              <a:rPr lang="en-US" sz="1000" dirty="0">
+                <a:latin typeface="Arial" panose="020B0604020202020204" pitchFamily="34" charset="0"/>
+                <a:cs typeface="Arial" panose="020B0604020202020204" pitchFamily="34" charset="0"/>
+              </a:rPr>
+              <a:t>Original</a:t>
+            </a:r>
+          </a:p>
+        </p:txBody>
+      </p:sp>
+      <p:sp>
+        <p:nvSpPr>
+          <p:cNvPr id="52" name="TextBox 51">
+            <a:extLst>
+              <a:ext uri="{FF2B5EF4-FFF2-40B4-BE49-F238E27FC236}">
+                <a16:creationId xmlns:a16="http://schemas.microsoft.com/office/drawing/2014/main" id="{9CE44E29-B2C6-6CB4-41AE-D99C563F33BB}"/>
+              </a:ext>
+            </a:extLst>
+          </p:cNvPr>
+          <p:cNvSpPr txBox="1"/>
+          <p:nvPr/>
+        </p:nvSpPr>
+        <p:spPr>
+          <a:xfrm>
+            <a:off x="10297897" y="5048973"/>
+            <a:ext cx="1066863" cy="246221"/>
+          </a:xfrm>
+          <a:prstGeom prst="rect">
+            <a:avLst/>
+          </a:prstGeom>
+          <a:noFill/>
+          <a:ln>
+            <a:noFill/>
+          </a:ln>
+        </p:spPr>
+        <p:txBody>
+          <a:bodyPr wrap="square" rtlCol="0">
+            <a:spAutoFit/>
+          </a:bodyPr>
+          <a:lstStyle/>
+          <a:p>
+            <a:pPr algn="ctr"/>
+            <a:r>
+              <a:rPr lang="en-US" sz="1000" dirty="0">
+                <a:latin typeface="Arial" panose="020B0604020202020204" pitchFamily="34" charset="0"/>
+                <a:cs typeface="Arial" panose="020B0604020202020204" pitchFamily="34" charset="0"/>
+              </a:rPr>
+              <a:t>Linear</a:t>
+            </a:r>
+          </a:p>
+        </p:txBody>
+      </p:sp>
+      <p:sp>
+        <p:nvSpPr>
+          <p:cNvPr id="53" name="TextBox 52">
+            <a:extLst>
+              <a:ext uri="{FF2B5EF4-FFF2-40B4-BE49-F238E27FC236}">
+                <a16:creationId xmlns:a16="http://schemas.microsoft.com/office/drawing/2014/main" id="{4C94F53B-C127-DAE1-9E83-EEA7624CA431}"/>
+              </a:ext>
+            </a:extLst>
+          </p:cNvPr>
+          <p:cNvSpPr txBox="1"/>
+          <p:nvPr/>
+        </p:nvSpPr>
+        <p:spPr>
+          <a:xfrm>
+            <a:off x="10297897" y="5299796"/>
+            <a:ext cx="1066863" cy="246221"/>
+          </a:xfrm>
+          <a:prstGeom prst="rect">
+            <a:avLst/>
+          </a:prstGeom>
+          <a:noFill/>
+          <a:ln>
+            <a:noFill/>
+          </a:ln>
+        </p:spPr>
+        <p:txBody>
+          <a:bodyPr wrap="square" rtlCol="0">
+            <a:spAutoFit/>
+          </a:bodyPr>
+          <a:lstStyle/>
+          <a:p>
+            <a:pPr algn="ctr"/>
+            <a:r>
+              <a:rPr lang="en-US" sz="1000" dirty="0">
+                <a:solidFill>
+                  <a:srgbClr val="B30000"/>
+                </a:solidFill>
+                <a:latin typeface="Arial" panose="020B0604020202020204" pitchFamily="34" charset="0"/>
+                <a:cs typeface="Arial" panose="020B0604020202020204" pitchFamily="34" charset="0"/>
+              </a:rPr>
+              <a:t>False</a:t>
+            </a:r>
+          </a:p>
+        </p:txBody>
+      </p:sp>
+      <p:sp>
+        <p:nvSpPr>
+          <p:cNvPr id="54" name="TextBox 53">
+            <a:extLst>
+              <a:ext uri="{FF2B5EF4-FFF2-40B4-BE49-F238E27FC236}">
+                <a16:creationId xmlns:a16="http://schemas.microsoft.com/office/drawing/2014/main" id="{C794E1CF-0E53-E677-4763-83D95FA458A2}"/>
+              </a:ext>
+            </a:extLst>
+          </p:cNvPr>
+          <p:cNvSpPr txBox="1"/>
+          <p:nvPr/>
+        </p:nvSpPr>
+        <p:spPr>
+          <a:xfrm>
+            <a:off x="10297897" y="6806136"/>
+            <a:ext cx="1066863" cy="246221"/>
+          </a:xfrm>
+          <a:prstGeom prst="rect">
+            <a:avLst/>
+          </a:prstGeom>
+          <a:solidFill>
+            <a:srgbClr val="C00000">
+              <a:alpha val="50196"/>
+            </a:srgbClr>
+          </a:solidFill>
+          <a:ln>
+            <a:noFill/>
+          </a:ln>
+        </p:spPr>
+        <p:txBody>
+          <a:bodyPr wrap="square" rtlCol="0">
+            <a:spAutoFit/>
+          </a:bodyPr>
+          <a:lstStyle/>
+          <a:p>
+            <a:pPr algn="ctr"/>
+            <a:r>
+              <a:rPr lang="en-US" sz="1000" b="1" dirty="0">
+                <a:latin typeface="Arial" panose="020B0604020202020204" pitchFamily="34" charset="0"/>
+                <a:cs typeface="Arial" panose="020B0604020202020204" pitchFamily="34" charset="0"/>
+              </a:rPr>
+              <a:t>Incorrect</a:t>
+            </a:r>
+          </a:p>
+        </p:txBody>
+      </p:sp>
+      <p:sp>
+        <p:nvSpPr>
+          <p:cNvPr id="55" name="TextBox 54">
+            <a:extLst>
+              <a:ext uri="{FF2B5EF4-FFF2-40B4-BE49-F238E27FC236}">
+                <a16:creationId xmlns:a16="http://schemas.microsoft.com/office/drawing/2014/main" id="{1B7B729F-2DD2-8E76-B787-B7F08DE6E42F}"/>
+              </a:ext>
+            </a:extLst>
+          </p:cNvPr>
+          <p:cNvSpPr txBox="1"/>
+          <p:nvPr/>
+        </p:nvSpPr>
+        <p:spPr>
+          <a:xfrm>
+            <a:off x="10297897" y="5807440"/>
+            <a:ext cx="1066863" cy="246221"/>
+          </a:xfrm>
+          <a:prstGeom prst="rect">
+            <a:avLst/>
+          </a:prstGeom>
+          <a:noFill/>
+          <a:ln>
+            <a:noFill/>
+          </a:ln>
+        </p:spPr>
+        <p:txBody>
+          <a:bodyPr wrap="square" rtlCol="0">
+            <a:spAutoFit/>
+          </a:bodyPr>
+          <a:lstStyle/>
+          <a:p>
+            <a:pPr algn="ctr"/>
+            <a:r>
+              <a:rPr lang="en-US" sz="1000" dirty="0">
+                <a:solidFill>
+                  <a:srgbClr val="B30000"/>
+                </a:solidFill>
+                <a:latin typeface="Arial" panose="020B0604020202020204" pitchFamily="34" charset="0"/>
+                <a:cs typeface="Arial" panose="020B0604020202020204" pitchFamily="34" charset="0"/>
+              </a:rPr>
+              <a:t>Inf</a:t>
+            </a:r>
+          </a:p>
+        </p:txBody>
+      </p:sp>
+      <p:sp>
+        <p:nvSpPr>
+          <p:cNvPr id="56" name="TextBox 55">
+            <a:extLst>
+              <a:ext uri="{FF2B5EF4-FFF2-40B4-BE49-F238E27FC236}">
+                <a16:creationId xmlns:a16="http://schemas.microsoft.com/office/drawing/2014/main" id="{36C43CA6-4035-D184-C874-36A0A03FBA18}"/>
+              </a:ext>
+            </a:extLst>
+          </p:cNvPr>
+          <p:cNvSpPr txBox="1"/>
+          <p:nvPr/>
+        </p:nvSpPr>
+        <p:spPr>
+          <a:xfrm>
+            <a:off x="10297897" y="6061440"/>
+            <a:ext cx="1066863" cy="246221"/>
+          </a:xfrm>
+          <a:prstGeom prst="rect">
+            <a:avLst/>
+          </a:prstGeom>
+          <a:noFill/>
+          <a:ln>
+            <a:noFill/>
+          </a:ln>
+        </p:spPr>
+        <p:txBody>
+          <a:bodyPr wrap="square" rtlCol="0">
+            <a:spAutoFit/>
+          </a:bodyPr>
+          <a:lstStyle/>
+          <a:p>
+            <a:pPr algn="ctr"/>
+            <a:r>
+              <a:rPr lang="en-US" sz="1000" dirty="0">
+                <a:solidFill>
+                  <a:srgbClr val="B30000"/>
+                </a:solidFill>
+                <a:latin typeface="Arial" panose="020B0604020202020204" pitchFamily="34" charset="0"/>
+                <a:cs typeface="Arial" panose="020B0604020202020204" pitchFamily="34" charset="0"/>
+              </a:rPr>
+              <a:t>–Inf</a:t>
+            </a:r>
+          </a:p>
+        </p:txBody>
+      </p:sp>
+      <p:sp>
+        <p:nvSpPr>
+          <p:cNvPr id="57" name="TextBox 56">
+            <a:extLst>
+              <a:ext uri="{FF2B5EF4-FFF2-40B4-BE49-F238E27FC236}">
+                <a16:creationId xmlns:a16="http://schemas.microsoft.com/office/drawing/2014/main" id="{30FE66B5-7142-E3EA-7224-19155C189C4C}"/>
+              </a:ext>
+            </a:extLst>
+          </p:cNvPr>
+          <p:cNvSpPr txBox="1"/>
+          <p:nvPr/>
+        </p:nvSpPr>
+        <p:spPr>
+          <a:xfrm>
+            <a:off x="10297897" y="6305915"/>
+            <a:ext cx="1066863" cy="246221"/>
+          </a:xfrm>
+          <a:prstGeom prst="rect">
+            <a:avLst/>
+          </a:prstGeom>
+          <a:noFill/>
+          <a:ln>
+            <a:noFill/>
+          </a:ln>
+        </p:spPr>
+        <p:txBody>
+          <a:bodyPr wrap="square" rtlCol="0">
+            <a:spAutoFit/>
+          </a:bodyPr>
+          <a:lstStyle/>
+          <a:p>
+            <a:pPr algn="ctr"/>
+            <a:r>
+              <a:rPr lang="en-US" sz="1000" dirty="0">
+                <a:solidFill>
+                  <a:srgbClr val="B30000"/>
+                </a:solidFill>
+                <a:latin typeface="Arial" panose="020B0604020202020204" pitchFamily="34" charset="0"/>
+                <a:cs typeface="Arial" panose="020B0604020202020204" pitchFamily="34" charset="0"/>
+              </a:rPr>
+              <a:t>Inf</a:t>
+            </a:r>
+          </a:p>
+        </p:txBody>
+      </p:sp>
+      <p:sp>
+        <p:nvSpPr>
+          <p:cNvPr id="58" name="TextBox 57">
+            <a:extLst>
+              <a:ext uri="{FF2B5EF4-FFF2-40B4-BE49-F238E27FC236}">
+                <a16:creationId xmlns:a16="http://schemas.microsoft.com/office/drawing/2014/main" id="{9B47D95F-7D5A-B47D-8827-69FAEDEE9970}"/>
+              </a:ext>
+            </a:extLst>
+          </p:cNvPr>
+          <p:cNvSpPr txBox="1"/>
+          <p:nvPr/>
+        </p:nvSpPr>
+        <p:spPr>
+          <a:xfrm>
+            <a:off x="10297897" y="6559915"/>
+            <a:ext cx="1066863" cy="246221"/>
+          </a:xfrm>
+          <a:prstGeom prst="rect">
+            <a:avLst/>
+          </a:prstGeom>
+          <a:noFill/>
+          <a:ln>
+            <a:noFill/>
+          </a:ln>
+        </p:spPr>
+        <p:txBody>
+          <a:bodyPr wrap="square" rtlCol="0">
+            <a:spAutoFit/>
+          </a:bodyPr>
+          <a:lstStyle/>
+          <a:p>
+            <a:pPr algn="ctr"/>
+            <a:r>
+              <a:rPr lang="en-US" sz="1000" dirty="0">
+                <a:solidFill>
+                  <a:srgbClr val="B30000"/>
+                </a:solidFill>
+                <a:latin typeface="Arial" panose="020B0604020202020204" pitchFamily="34" charset="0"/>
+                <a:cs typeface="Arial" panose="020B0604020202020204" pitchFamily="34" charset="0"/>
+              </a:rPr>
+              <a:t>Inf</a:t>
+            </a:r>
+          </a:p>
+        </p:txBody>
+      </p:sp>
+      <p:sp>
+        <p:nvSpPr>
+          <p:cNvPr id="59" name="TextBox 58">
+            <a:extLst>
+              <a:ext uri="{FF2B5EF4-FFF2-40B4-BE49-F238E27FC236}">
+                <a16:creationId xmlns:a16="http://schemas.microsoft.com/office/drawing/2014/main" id="{413501C5-C885-B5CB-63BE-9B0706751392}"/>
+              </a:ext>
+            </a:extLst>
+          </p:cNvPr>
+          <p:cNvSpPr txBox="1"/>
+          <p:nvPr/>
+        </p:nvSpPr>
+        <p:spPr>
+          <a:xfrm>
+            <a:off x="10112280" y="1615858"/>
+            <a:ext cx="227948" cy="246221"/>
+          </a:xfrm>
+          <a:prstGeom prst="rect">
+            <a:avLst/>
+          </a:prstGeom>
+          <a:noFill/>
+          <a:ln>
+            <a:noFill/>
+          </a:ln>
+        </p:spPr>
+        <p:txBody>
+          <a:bodyPr wrap="none" rtlCol="0">
+            <a:spAutoFit/>
+          </a:bodyPr>
+          <a:lstStyle/>
+          <a:p>
+            <a:pPr algn="ctr"/>
+            <a:r>
+              <a:rPr lang="en-US" sz="1000" b="1" dirty="0">
+                <a:latin typeface="Arial" panose="020B0604020202020204" pitchFamily="34" charset="0"/>
+                <a:cs typeface="Arial" panose="020B0604020202020204" pitchFamily="34" charset="0"/>
+              </a:rPr>
+              <a:t>f</a:t>
+            </a:r>
+          </a:p>
+        </p:txBody>
+      </p:sp>
+      <p:sp>
+        <p:nvSpPr>
+          <p:cNvPr id="73" name="TextBox 72">
+            <a:extLst>
+              <a:ext uri="{FF2B5EF4-FFF2-40B4-BE49-F238E27FC236}">
+                <a16:creationId xmlns:a16="http://schemas.microsoft.com/office/drawing/2014/main" id="{53BDF0F1-DB24-9F5C-F6BE-BAA92A73BD1E}"/>
+              </a:ext>
+            </a:extLst>
+          </p:cNvPr>
+          <p:cNvSpPr txBox="1"/>
+          <p:nvPr/>
+        </p:nvSpPr>
+        <p:spPr>
+          <a:xfrm>
+            <a:off x="1958469" y="5541056"/>
+            <a:ext cx="1008609" cy="246221"/>
+          </a:xfrm>
+          <a:prstGeom prst="rect">
+            <a:avLst/>
+          </a:prstGeom>
+          <a:noFill/>
+          <a:ln>
+            <a:noFill/>
+          </a:ln>
+        </p:spPr>
+        <p:txBody>
+          <a:bodyPr wrap="none" rtlCol="0">
+            <a:spAutoFit/>
+          </a:bodyPr>
+          <a:lstStyle/>
+          <a:p>
+            <a:pPr algn="r"/>
+            <a:r>
+              <a:rPr lang="en-US" sz="1000" b="1" dirty="0">
+                <a:latin typeface="Arial" panose="020B0604020202020204" pitchFamily="34" charset="0"/>
+                <a:cs typeface="Arial" panose="020B0604020202020204" pitchFamily="34" charset="0"/>
+              </a:rPr>
+              <a:t>Well-behaved</a:t>
+            </a:r>
+          </a:p>
+        </p:txBody>
+      </p:sp>
+      <p:sp>
+        <p:nvSpPr>
+          <p:cNvPr id="74" name="TextBox 73">
+            <a:extLst>
+              <a:ext uri="{FF2B5EF4-FFF2-40B4-BE49-F238E27FC236}">
+                <a16:creationId xmlns:a16="http://schemas.microsoft.com/office/drawing/2014/main" id="{7101A8AA-0510-3460-E1C1-5FA75BDB7DA4}"/>
+              </a:ext>
+            </a:extLst>
+          </p:cNvPr>
+          <p:cNvSpPr txBox="1"/>
+          <p:nvPr/>
+        </p:nvSpPr>
+        <p:spPr>
+          <a:xfrm>
+            <a:off x="3191011" y="5545658"/>
+            <a:ext cx="1066863" cy="246221"/>
+          </a:xfrm>
+          <a:prstGeom prst="rect">
+            <a:avLst/>
+          </a:prstGeom>
+          <a:noFill/>
+          <a:ln>
+            <a:noFill/>
+          </a:ln>
+        </p:spPr>
+        <p:txBody>
+          <a:bodyPr wrap="square" rtlCol="0">
+            <a:spAutoFit/>
+          </a:bodyPr>
+          <a:lstStyle/>
+          <a:p>
+            <a:pPr algn="ctr"/>
+            <a:r>
+              <a:rPr lang="en-US" sz="1000" dirty="0">
+                <a:solidFill>
+                  <a:srgbClr val="00B050"/>
+                </a:solidFill>
+                <a:latin typeface="Arial" panose="020B0604020202020204" pitchFamily="34" charset="0"/>
+                <a:cs typeface="Arial" panose="020B0604020202020204" pitchFamily="34" charset="0"/>
+              </a:rPr>
+              <a:t>True</a:t>
+            </a:r>
+          </a:p>
+        </p:txBody>
+      </p:sp>
+      <p:sp>
+        <p:nvSpPr>
+          <p:cNvPr id="75" name="TextBox 74">
+            <a:extLst>
+              <a:ext uri="{FF2B5EF4-FFF2-40B4-BE49-F238E27FC236}">
+                <a16:creationId xmlns:a16="http://schemas.microsoft.com/office/drawing/2014/main" id="{D723CA63-3FCD-446E-49B6-BDEA2B2E187A}"/>
+              </a:ext>
+            </a:extLst>
+          </p:cNvPr>
+          <p:cNvSpPr txBox="1"/>
+          <p:nvPr/>
+        </p:nvSpPr>
+        <p:spPr>
+          <a:xfrm>
+            <a:off x="4605791" y="5545658"/>
+            <a:ext cx="1066863" cy="246221"/>
+          </a:xfrm>
+          <a:prstGeom prst="rect">
+            <a:avLst/>
+          </a:prstGeom>
+          <a:noFill/>
+          <a:ln>
+            <a:noFill/>
+          </a:ln>
+        </p:spPr>
+        <p:txBody>
+          <a:bodyPr wrap="square" rtlCol="0">
+            <a:spAutoFit/>
+          </a:bodyPr>
+          <a:lstStyle/>
+          <a:p>
+            <a:pPr algn="ctr"/>
+            <a:r>
+              <a:rPr lang="en-US" sz="1000" dirty="0">
+                <a:latin typeface="Arial" panose="020B0604020202020204" pitchFamily="34" charset="0"/>
+                <a:cs typeface="Arial" panose="020B0604020202020204" pitchFamily="34" charset="0"/>
+              </a:rPr>
+              <a:t>N/A</a:t>
+            </a:r>
+          </a:p>
+        </p:txBody>
+      </p:sp>
+      <p:sp>
+        <p:nvSpPr>
+          <p:cNvPr id="76" name="TextBox 75">
+            <a:extLst>
+              <a:ext uri="{FF2B5EF4-FFF2-40B4-BE49-F238E27FC236}">
+                <a16:creationId xmlns:a16="http://schemas.microsoft.com/office/drawing/2014/main" id="{593AD904-4BD2-E347-4041-EA227BCC8AB3}"/>
+              </a:ext>
+            </a:extLst>
+          </p:cNvPr>
+          <p:cNvSpPr txBox="1"/>
+          <p:nvPr/>
+        </p:nvSpPr>
+        <p:spPr>
+          <a:xfrm>
+            <a:off x="6016136" y="5545658"/>
+            <a:ext cx="1066863" cy="246221"/>
+          </a:xfrm>
+          <a:prstGeom prst="rect">
+            <a:avLst/>
+          </a:prstGeom>
+          <a:noFill/>
+          <a:ln>
+            <a:noFill/>
+          </a:ln>
+        </p:spPr>
+        <p:txBody>
+          <a:bodyPr wrap="square" rtlCol="0">
+            <a:spAutoFit/>
+          </a:bodyPr>
+          <a:lstStyle/>
+          <a:p>
+            <a:pPr algn="ctr"/>
+            <a:r>
+              <a:rPr lang="en-US" sz="1000" dirty="0">
+                <a:solidFill>
+                  <a:srgbClr val="00B050"/>
+                </a:solidFill>
+                <a:latin typeface="Arial" panose="020B0604020202020204" pitchFamily="34" charset="0"/>
+                <a:cs typeface="Arial" panose="020B0604020202020204" pitchFamily="34" charset="0"/>
+              </a:rPr>
+              <a:t>True</a:t>
+            </a:r>
+          </a:p>
+        </p:txBody>
+      </p:sp>
+      <p:sp>
+        <p:nvSpPr>
+          <p:cNvPr id="77" name="TextBox 76">
+            <a:extLst>
+              <a:ext uri="{FF2B5EF4-FFF2-40B4-BE49-F238E27FC236}">
+                <a16:creationId xmlns:a16="http://schemas.microsoft.com/office/drawing/2014/main" id="{B5A071D0-8F7A-49FC-427E-AF6AF589FEFD}"/>
+              </a:ext>
+            </a:extLst>
+          </p:cNvPr>
+          <p:cNvSpPr txBox="1"/>
+          <p:nvPr/>
+        </p:nvSpPr>
+        <p:spPr>
+          <a:xfrm>
+            <a:off x="7465797" y="5545658"/>
+            <a:ext cx="1066863" cy="246221"/>
+          </a:xfrm>
+          <a:prstGeom prst="rect">
+            <a:avLst/>
+          </a:prstGeom>
+          <a:noFill/>
+          <a:ln>
+            <a:noFill/>
+          </a:ln>
+        </p:spPr>
+        <p:txBody>
+          <a:bodyPr wrap="square" rtlCol="0">
+            <a:spAutoFit/>
+          </a:bodyPr>
+          <a:lstStyle/>
+          <a:p>
+            <a:pPr algn="ctr"/>
+            <a:r>
+              <a:rPr lang="en-US" sz="1000" dirty="0">
+                <a:solidFill>
+                  <a:srgbClr val="00B050"/>
+                </a:solidFill>
+                <a:latin typeface="Arial" panose="020B0604020202020204" pitchFamily="34" charset="0"/>
+                <a:cs typeface="Arial" panose="020B0604020202020204" pitchFamily="34" charset="0"/>
+              </a:rPr>
+              <a:t>True</a:t>
+            </a:r>
+          </a:p>
+        </p:txBody>
+      </p:sp>
+      <p:sp>
+        <p:nvSpPr>
+          <p:cNvPr id="78" name="TextBox 77">
+            <a:extLst>
+              <a:ext uri="{FF2B5EF4-FFF2-40B4-BE49-F238E27FC236}">
+                <a16:creationId xmlns:a16="http://schemas.microsoft.com/office/drawing/2014/main" id="{16AD672D-DC05-1DAD-0AD5-5F383B5E728B}"/>
+              </a:ext>
+            </a:extLst>
+          </p:cNvPr>
+          <p:cNvSpPr txBox="1"/>
+          <p:nvPr/>
+        </p:nvSpPr>
+        <p:spPr>
+          <a:xfrm>
+            <a:off x="8880577" y="5545658"/>
+            <a:ext cx="1066863" cy="246221"/>
+          </a:xfrm>
+          <a:prstGeom prst="rect">
+            <a:avLst/>
+          </a:prstGeom>
+          <a:noFill/>
+          <a:ln>
+            <a:noFill/>
+          </a:ln>
+        </p:spPr>
+        <p:txBody>
+          <a:bodyPr wrap="square" rtlCol="0">
+            <a:spAutoFit/>
+          </a:bodyPr>
+          <a:lstStyle/>
+          <a:p>
+            <a:pPr algn="ctr"/>
+            <a:r>
+              <a:rPr lang="en-US" sz="1000" dirty="0">
+                <a:solidFill>
+                  <a:srgbClr val="B30000"/>
+                </a:solidFill>
+                <a:latin typeface="Arial" panose="020B0604020202020204" pitchFamily="34" charset="0"/>
+                <a:cs typeface="Arial" panose="020B0604020202020204" pitchFamily="34" charset="0"/>
+              </a:rPr>
+              <a:t>False</a:t>
+            </a:r>
+          </a:p>
+        </p:txBody>
+      </p:sp>
+      <p:sp>
+        <p:nvSpPr>
+          <p:cNvPr id="79" name="TextBox 78">
+            <a:extLst>
+              <a:ext uri="{FF2B5EF4-FFF2-40B4-BE49-F238E27FC236}">
+                <a16:creationId xmlns:a16="http://schemas.microsoft.com/office/drawing/2014/main" id="{10EB999B-BD45-D3EE-D75D-CED1E7D6B979}"/>
+              </a:ext>
+            </a:extLst>
+          </p:cNvPr>
+          <p:cNvSpPr txBox="1"/>
+          <p:nvPr/>
+        </p:nvSpPr>
+        <p:spPr>
+          <a:xfrm>
+            <a:off x="10297897" y="5545658"/>
+            <a:ext cx="1066863" cy="246221"/>
+          </a:xfrm>
+          <a:prstGeom prst="rect">
+            <a:avLst/>
+          </a:prstGeom>
+          <a:noFill/>
+          <a:ln>
+            <a:noFill/>
+          </a:ln>
+        </p:spPr>
+        <p:txBody>
+          <a:bodyPr wrap="square" rtlCol="0">
+            <a:spAutoFit/>
+          </a:bodyPr>
+          <a:lstStyle/>
+          <a:p>
+            <a:pPr algn="ctr"/>
+            <a:r>
+              <a:rPr lang="en-US" sz="1000" dirty="0">
+                <a:solidFill>
+                  <a:srgbClr val="B30000"/>
+                </a:solidFill>
+                <a:latin typeface="Arial" panose="020B0604020202020204" pitchFamily="34" charset="0"/>
+                <a:cs typeface="Arial" panose="020B0604020202020204" pitchFamily="34" charset="0"/>
+              </a:rPr>
+              <a:t>False</a:t>
+            </a:r>
+          </a:p>
+        </p:txBody>
+      </p:sp>
+    </p:spTree>
+    <p:extLst>
+      <p:ext uri="{BB962C8B-B14F-4D97-AF65-F5344CB8AC3E}">
+        <p14:creationId xmlns:p14="http://schemas.microsoft.com/office/powerpoint/2010/main" val="1276920188"/>
+      </p:ext>
+    </p:extLst>
+  </p:cSld>
+  <p:clrMapOvr>
+    <a:masterClrMapping/>
+  </p:clrMapOvr>
+</p:sld>
+</file>
+
+<file path=ppt/slides/slide2.xml><?xml version="1.0" encoding="utf-8"?>
+<p:sld xmlns:a="http://schemas.openxmlformats.org/drawingml/2006/main" xmlns:r="http://schemas.openxmlformats.org/officeDocument/2006/relationships" xmlns:p="http://schemas.openxmlformats.org/presentationml/2006/main">
+  <p:cSld>
+    <p:spTree>
+      <p:nvGrpSpPr>
+        <p:cNvPr id="1" name="">
+          <a:extLst>
+            <a:ext uri="{FF2B5EF4-FFF2-40B4-BE49-F238E27FC236}">
+              <a16:creationId xmlns:a16="http://schemas.microsoft.com/office/drawing/2014/main" id="{F651A2A4-7A3A-3A4A-76B3-169BF734B140}"/>
+            </a:ext>
+          </a:extLst>
+        </p:cNvPr>
+        <p:cNvGrpSpPr/>
+        <p:nvPr/>
+      </p:nvGrpSpPr>
+      <p:grpSpPr>
+        <a:xfrm>
+          <a:off x="0" y="0"/>
+          <a:ext cx="0" cy="0"/>
+          <a:chOff x="0" y="0"/>
+          <a:chExt cx="0" cy="0"/>
+        </a:xfrm>
+      </p:grpSpPr>
+      <p:pic>
+        <p:nvPicPr>
+          <p:cNvPr id="3" name="Picture 2">
+            <a:extLst>
+              <a:ext uri="{FF2B5EF4-FFF2-40B4-BE49-F238E27FC236}">
+                <a16:creationId xmlns:a16="http://schemas.microsoft.com/office/drawing/2014/main" id="{EDBA9C26-7756-5B84-68FA-0E4CD5ECC22B}"/>
+              </a:ext>
+            </a:extLst>
+          </p:cNvPr>
+          <p:cNvPicPr>
+            <a:picLocks noChangeAspect="1"/>
+          </p:cNvPicPr>
+          <p:nvPr/>
+        </p:nvPicPr>
+        <p:blipFill>
+          <a:blip r:embed="rId3"/>
+          <a:srcRect/>
+          <a:stretch/>
+        </p:blipFill>
+        <p:spPr>
+          <a:xfrm>
+            <a:off x="2758203" y="1727760"/>
+            <a:ext cx="8640000" cy="2880000"/>
+          </a:xfrm>
+          <a:prstGeom prst="rect">
+            <a:avLst/>
+          </a:prstGeom>
+          <a:ln>
+            <a:noFill/>
+          </a:ln>
+        </p:spPr>
+      </p:pic>
+      <p:sp>
+        <p:nvSpPr>
+          <p:cNvPr id="9" name="TextBox 8">
+            <a:extLst>
+              <a:ext uri="{FF2B5EF4-FFF2-40B4-BE49-F238E27FC236}">
+                <a16:creationId xmlns:a16="http://schemas.microsoft.com/office/drawing/2014/main" id="{4BDB4C2F-27B6-8AC5-045D-3851B9D0AC08}"/>
+              </a:ext>
+            </a:extLst>
+          </p:cNvPr>
+          <p:cNvSpPr txBox="1"/>
+          <p:nvPr/>
+        </p:nvSpPr>
+        <p:spPr>
+          <a:xfrm>
+            <a:off x="2935812" y="1615858"/>
+            <a:ext cx="255199" cy="246221"/>
+          </a:xfrm>
+          <a:prstGeom prst="rect">
+            <a:avLst/>
+          </a:prstGeom>
+          <a:noFill/>
+          <a:ln>
+            <a:noFill/>
+          </a:ln>
+        </p:spPr>
+        <p:txBody>
+          <a:bodyPr wrap="none" rtlCol="0">
+            <a:spAutoFit/>
+          </a:bodyPr>
+          <a:lstStyle/>
+          <a:p>
+            <a:pPr algn="ctr"/>
+            <a:r>
+              <a:rPr lang="en-US" sz="1000" b="1" dirty="0">
+                <a:latin typeface="Arial" panose="020B0604020202020204" pitchFamily="34" charset="0"/>
+                <a:cs typeface="Arial" panose="020B0604020202020204" pitchFamily="34" charset="0"/>
+              </a:rPr>
+              <a:t>a</a:t>
+            </a:r>
+          </a:p>
+        </p:txBody>
+      </p:sp>
+      <p:sp>
+        <p:nvSpPr>
+          <p:cNvPr id="4" name="TextBox 3">
+            <a:extLst>
+              <a:ext uri="{FF2B5EF4-FFF2-40B4-BE49-F238E27FC236}">
+                <a16:creationId xmlns:a16="http://schemas.microsoft.com/office/drawing/2014/main" id="{F1546B26-E6BB-1B1B-8093-E9025A4F0389}"/>
+              </a:ext>
+            </a:extLst>
+          </p:cNvPr>
+          <p:cNvSpPr txBox="1"/>
+          <p:nvPr/>
+        </p:nvSpPr>
+        <p:spPr>
+          <a:xfrm>
+            <a:off x="4418856" y="1615858"/>
+            <a:ext cx="263214" cy="246221"/>
+          </a:xfrm>
+          <a:prstGeom prst="rect">
+            <a:avLst/>
+          </a:prstGeom>
+          <a:noFill/>
+          <a:ln>
+            <a:noFill/>
+          </a:ln>
+        </p:spPr>
+        <p:txBody>
+          <a:bodyPr wrap="none" rtlCol="0">
+            <a:spAutoFit/>
+          </a:bodyPr>
+          <a:lstStyle/>
+          <a:p>
+            <a:pPr algn="ctr"/>
+            <a:r>
+              <a:rPr lang="en-US" sz="1000" b="1" dirty="0">
+                <a:latin typeface="Arial" panose="020B0604020202020204" pitchFamily="34" charset="0"/>
+                <a:cs typeface="Arial" panose="020B0604020202020204" pitchFamily="34" charset="0"/>
+              </a:rPr>
+              <a:t>b</a:t>
+            </a:r>
+          </a:p>
+        </p:txBody>
+      </p:sp>
+      <p:sp>
+        <p:nvSpPr>
+          <p:cNvPr id="5" name="TextBox 4">
+            <a:extLst>
+              <a:ext uri="{FF2B5EF4-FFF2-40B4-BE49-F238E27FC236}">
+                <a16:creationId xmlns:a16="http://schemas.microsoft.com/office/drawing/2014/main" id="{77BB4F4C-3944-96C8-8D6F-2D0A2D600BBC}"/>
+              </a:ext>
+            </a:extLst>
+          </p:cNvPr>
+          <p:cNvSpPr txBox="1"/>
+          <p:nvPr/>
+        </p:nvSpPr>
+        <p:spPr>
+          <a:xfrm>
+            <a:off x="2107549" y="4558348"/>
+            <a:ext cx="859531" cy="246221"/>
+          </a:xfrm>
+          <a:prstGeom prst="rect">
+            <a:avLst/>
+          </a:prstGeom>
+          <a:noFill/>
+          <a:ln>
+            <a:noFill/>
+          </a:ln>
+        </p:spPr>
+        <p:txBody>
+          <a:bodyPr wrap="none" rtlCol="0">
+            <a:spAutoFit/>
+          </a:bodyPr>
+          <a:lstStyle/>
+          <a:p>
+            <a:pPr algn="r"/>
+            <a:r>
+              <a:rPr lang="en-US" sz="1000" b="1" dirty="0">
+                <a:latin typeface="Arial" panose="020B0604020202020204" pitchFamily="34" charset="0"/>
+                <a:cs typeface="Arial" panose="020B0604020202020204" pitchFamily="34" charset="0"/>
+              </a:rPr>
+              <a:t>Graph type</a:t>
+            </a:r>
+          </a:p>
+        </p:txBody>
+      </p:sp>
+      <p:sp>
+        <p:nvSpPr>
+          <p:cNvPr id="6" name="TextBox 5">
+            <a:extLst>
+              <a:ext uri="{FF2B5EF4-FFF2-40B4-BE49-F238E27FC236}">
+                <a16:creationId xmlns:a16="http://schemas.microsoft.com/office/drawing/2014/main" id="{EE2E7731-18B0-EBC9-1B98-EEB3F5DE548B}"/>
+              </a:ext>
+            </a:extLst>
+          </p:cNvPr>
+          <p:cNvSpPr txBox="1"/>
+          <p:nvPr/>
+        </p:nvSpPr>
+        <p:spPr>
+          <a:xfrm>
+            <a:off x="2206935" y="4802752"/>
+            <a:ext cx="760144" cy="246221"/>
+          </a:xfrm>
+          <a:prstGeom prst="rect">
+            <a:avLst/>
+          </a:prstGeom>
+          <a:noFill/>
+          <a:ln>
+            <a:noFill/>
+          </a:ln>
+        </p:spPr>
+        <p:txBody>
+          <a:bodyPr wrap="none" rtlCol="0">
+            <a:spAutoFit/>
+          </a:bodyPr>
+          <a:lstStyle/>
+          <a:p>
+            <a:pPr algn="r"/>
+            <a:r>
+              <a:rPr lang="en-US" sz="1000" b="1" dirty="0">
+                <a:latin typeface="Arial" panose="020B0604020202020204" pitchFamily="34" charset="0"/>
+                <a:cs typeface="Arial" panose="020B0604020202020204" pitchFamily="34" charset="0"/>
+              </a:rPr>
+              <a:t>Data type</a:t>
+            </a:r>
+          </a:p>
+        </p:txBody>
+      </p:sp>
+      <p:sp>
+        <p:nvSpPr>
+          <p:cNvPr id="8" name="TextBox 7">
+            <a:extLst>
+              <a:ext uri="{FF2B5EF4-FFF2-40B4-BE49-F238E27FC236}">
+                <a16:creationId xmlns:a16="http://schemas.microsoft.com/office/drawing/2014/main" id="{D1FE4960-19FD-3128-6CEE-2FA7E64132E7}"/>
+              </a:ext>
+            </a:extLst>
+          </p:cNvPr>
+          <p:cNvSpPr txBox="1"/>
+          <p:nvPr/>
+        </p:nvSpPr>
+        <p:spPr>
+          <a:xfrm>
+            <a:off x="2160446" y="5042714"/>
+            <a:ext cx="806632" cy="246221"/>
+          </a:xfrm>
+          <a:prstGeom prst="rect">
+            <a:avLst/>
+          </a:prstGeom>
+          <a:noFill/>
+          <a:ln>
+            <a:noFill/>
+          </a:ln>
+        </p:spPr>
+        <p:txBody>
+          <a:bodyPr wrap="none" rtlCol="0">
+            <a:spAutoFit/>
+          </a:bodyPr>
+          <a:lstStyle/>
+          <a:p>
+            <a:pPr algn="r"/>
+            <a:r>
+              <a:rPr lang="en-US" sz="1000" b="1" dirty="0">
+                <a:latin typeface="Arial" panose="020B0604020202020204" pitchFamily="34" charset="0"/>
+                <a:cs typeface="Arial" panose="020B0604020202020204" pitchFamily="34" charset="0"/>
+              </a:rPr>
+              <a:t>Axis scale</a:t>
+            </a:r>
+          </a:p>
+        </p:txBody>
+      </p:sp>
+      <p:sp>
+        <p:nvSpPr>
+          <p:cNvPr id="12" name="TextBox 11">
+            <a:extLst>
+              <a:ext uri="{FF2B5EF4-FFF2-40B4-BE49-F238E27FC236}">
+                <a16:creationId xmlns:a16="http://schemas.microsoft.com/office/drawing/2014/main" id="{EA0C998F-61F3-8B5F-A679-ABD914FBB329}"/>
+              </a:ext>
+            </a:extLst>
+          </p:cNvPr>
+          <p:cNvSpPr txBox="1"/>
+          <p:nvPr/>
+        </p:nvSpPr>
+        <p:spPr>
+          <a:xfrm>
+            <a:off x="2165255" y="5295194"/>
+            <a:ext cx="801823" cy="246221"/>
+          </a:xfrm>
+          <a:prstGeom prst="rect">
+            <a:avLst/>
+          </a:prstGeom>
+          <a:noFill/>
+          <a:ln>
+            <a:noFill/>
+          </a:ln>
+        </p:spPr>
+        <p:txBody>
+          <a:bodyPr wrap="none" rtlCol="0">
+            <a:spAutoFit/>
+          </a:bodyPr>
+          <a:lstStyle/>
+          <a:p>
+            <a:pPr algn="r"/>
+            <a:r>
+              <a:rPr lang="en-US" sz="1000" b="1" dirty="0">
+                <a:latin typeface="Arial" panose="020B0604020202020204" pitchFamily="34" charset="0"/>
+                <a:cs typeface="Arial" panose="020B0604020202020204" pitchFamily="34" charset="0"/>
+              </a:rPr>
+              <a:t>Starts at 0</a:t>
+            </a:r>
+          </a:p>
+        </p:txBody>
+      </p:sp>
+      <p:sp>
+        <p:nvSpPr>
+          <p:cNvPr id="13" name="TextBox 12">
+            <a:extLst>
+              <a:ext uri="{FF2B5EF4-FFF2-40B4-BE49-F238E27FC236}">
+                <a16:creationId xmlns:a16="http://schemas.microsoft.com/office/drawing/2014/main" id="{0963BB14-E4F6-3897-FEAC-BBB80A648DA5}"/>
+              </a:ext>
+            </a:extLst>
+          </p:cNvPr>
+          <p:cNvSpPr txBox="1"/>
+          <p:nvPr/>
+        </p:nvSpPr>
+        <p:spPr>
+          <a:xfrm>
+            <a:off x="2037015" y="5794377"/>
+            <a:ext cx="930063" cy="246221"/>
+          </a:xfrm>
+          <a:prstGeom prst="rect">
+            <a:avLst/>
+          </a:prstGeom>
+          <a:noFill/>
+          <a:ln>
+            <a:noFill/>
+          </a:ln>
+        </p:spPr>
+        <p:txBody>
+          <a:bodyPr wrap="none" rtlCol="0">
+            <a:spAutoFit/>
+          </a:bodyPr>
+          <a:lstStyle/>
+          <a:p>
+            <a:pPr algn="r"/>
+            <a:r>
+              <a:rPr lang="en-US" sz="1000" b="1" dirty="0">
+                <a:latin typeface="Arial" panose="020B0604020202020204" pitchFamily="34" charset="0"/>
+                <a:cs typeface="Arial" panose="020B0604020202020204" pitchFamily="34" charset="0"/>
+              </a:rPr>
+              <a:t>Correctness</a:t>
+            </a:r>
+          </a:p>
+        </p:txBody>
+      </p:sp>
+      <p:sp>
+        <p:nvSpPr>
+          <p:cNvPr id="14" name="TextBox 13">
+            <a:extLst>
+              <a:ext uri="{FF2B5EF4-FFF2-40B4-BE49-F238E27FC236}">
+                <a16:creationId xmlns:a16="http://schemas.microsoft.com/office/drawing/2014/main" id="{75AC8185-40C7-A9B8-1B65-EE4E7E12AD2C}"/>
+              </a:ext>
+            </a:extLst>
+          </p:cNvPr>
+          <p:cNvSpPr txBox="1"/>
+          <p:nvPr/>
+        </p:nvSpPr>
+        <p:spPr>
+          <a:xfrm>
+            <a:off x="2356013" y="6037915"/>
+            <a:ext cx="611065" cy="246221"/>
+          </a:xfrm>
+          <a:prstGeom prst="rect">
+            <a:avLst/>
+          </a:prstGeom>
+          <a:noFill/>
+          <a:ln>
+            <a:noFill/>
+          </a:ln>
+        </p:spPr>
+        <p:txBody>
+          <a:bodyPr wrap="none" rtlCol="0">
+            <a:spAutoFit/>
+          </a:bodyPr>
+          <a:lstStyle/>
+          <a:p>
+            <a:pPr algn="r"/>
+            <a:r>
+              <a:rPr lang="en-US" sz="1000" b="1" dirty="0">
+                <a:latin typeface="Arial" panose="020B0604020202020204" pitchFamily="34" charset="0"/>
+                <a:cs typeface="Arial" panose="020B0604020202020204" pitchFamily="34" charset="0"/>
+              </a:rPr>
+              <a:t>log </a:t>
+            </a:r>
+            <a:r>
+              <a:rPr lang="en-US" sz="1000" b="1" i="1" dirty="0">
+                <a:latin typeface="Arial" panose="020B0604020202020204" pitchFamily="34" charset="0"/>
+                <a:cs typeface="Arial" panose="020B0604020202020204" pitchFamily="34" charset="0"/>
+              </a:rPr>
+              <a:t>L</a:t>
+            </a:r>
+            <a:r>
+              <a:rPr lang="en-US" sz="1000" b="1" baseline="-25000" dirty="0">
+                <a:latin typeface="Arial" panose="020B0604020202020204" pitchFamily="34" charset="0"/>
+                <a:cs typeface="Arial" panose="020B0604020202020204" pitchFamily="34" charset="0"/>
+              </a:rPr>
+              <a:t>1/2</a:t>
+            </a:r>
+          </a:p>
+        </p:txBody>
+      </p:sp>
+      <p:sp>
+        <p:nvSpPr>
+          <p:cNvPr id="15" name="TextBox 14">
+            <a:extLst>
+              <a:ext uri="{FF2B5EF4-FFF2-40B4-BE49-F238E27FC236}">
+                <a16:creationId xmlns:a16="http://schemas.microsoft.com/office/drawing/2014/main" id="{4DDC4259-7F89-8ACD-8F78-2F00EF3556D5}"/>
+              </a:ext>
+            </a:extLst>
+          </p:cNvPr>
+          <p:cNvSpPr txBox="1"/>
+          <p:nvPr/>
+        </p:nvSpPr>
+        <p:spPr>
+          <a:xfrm>
+            <a:off x="2356013" y="6281453"/>
+            <a:ext cx="611066" cy="246221"/>
+          </a:xfrm>
+          <a:prstGeom prst="rect">
+            <a:avLst/>
+          </a:prstGeom>
+          <a:noFill/>
+          <a:ln>
+            <a:noFill/>
+          </a:ln>
+        </p:spPr>
+        <p:txBody>
+          <a:bodyPr wrap="none" rtlCol="0">
+            <a:spAutoFit/>
+          </a:bodyPr>
+          <a:lstStyle/>
+          <a:p>
+            <a:pPr algn="r"/>
+            <a:r>
+              <a:rPr lang="en-US" sz="1000" b="1" dirty="0">
+                <a:latin typeface="Arial" panose="020B0604020202020204" pitchFamily="34" charset="0"/>
+                <a:cs typeface="Arial" panose="020B0604020202020204" pitchFamily="34" charset="0"/>
+              </a:rPr>
+              <a:t>log </a:t>
+            </a:r>
+            <a:r>
+              <a:rPr lang="en-US" sz="1000" b="1" i="1" dirty="0">
+                <a:latin typeface="Arial" panose="020B0604020202020204" pitchFamily="34" charset="0"/>
+                <a:cs typeface="Arial" panose="020B0604020202020204" pitchFamily="34" charset="0"/>
+              </a:rPr>
+              <a:t>F</a:t>
+            </a:r>
+            <a:r>
+              <a:rPr lang="en-US" sz="1000" b="1" baseline="-25000" dirty="0">
+                <a:latin typeface="Arial" panose="020B0604020202020204" pitchFamily="34" charset="0"/>
+                <a:cs typeface="Arial" panose="020B0604020202020204" pitchFamily="34" charset="0"/>
+              </a:rPr>
+              <a:t>1/2</a:t>
+            </a:r>
+          </a:p>
+        </p:txBody>
+      </p:sp>
+      <p:sp>
+        <p:nvSpPr>
+          <p:cNvPr id="16" name="TextBox 15">
+            <a:extLst>
+              <a:ext uri="{FF2B5EF4-FFF2-40B4-BE49-F238E27FC236}">
+                <a16:creationId xmlns:a16="http://schemas.microsoft.com/office/drawing/2014/main" id="{FAECF724-1BB3-83C2-1FEE-72F2A5BDBC8C}"/>
+              </a:ext>
+            </a:extLst>
+          </p:cNvPr>
+          <p:cNvSpPr txBox="1"/>
+          <p:nvPr/>
+        </p:nvSpPr>
+        <p:spPr>
+          <a:xfrm>
+            <a:off x="2184491" y="6531223"/>
+            <a:ext cx="782587" cy="246221"/>
+          </a:xfrm>
+          <a:prstGeom prst="rect">
+            <a:avLst/>
+          </a:prstGeom>
+          <a:noFill/>
+          <a:ln>
+            <a:noFill/>
+          </a:ln>
+        </p:spPr>
+        <p:txBody>
+          <a:bodyPr wrap="none" rtlCol="0">
+            <a:spAutoFit/>
+          </a:bodyPr>
+          <a:lstStyle/>
+          <a:p>
+            <a:pPr algn="r"/>
+            <a:r>
+              <a:rPr lang="en-US" sz="1000" b="1" dirty="0">
+                <a:latin typeface="Arial" panose="020B0604020202020204" pitchFamily="34" charset="0"/>
+                <a:cs typeface="Arial" panose="020B0604020202020204" pitchFamily="34" charset="0"/>
+              </a:rPr>
+              <a:t>log RCVQ</a:t>
+            </a:r>
+            <a:endParaRPr lang="en-US" sz="1000" b="1" baseline="-25000" dirty="0">
+              <a:latin typeface="Arial" panose="020B0604020202020204" pitchFamily="34" charset="0"/>
+              <a:cs typeface="Arial" panose="020B0604020202020204" pitchFamily="34" charset="0"/>
+            </a:endParaRPr>
+          </a:p>
+        </p:txBody>
+      </p:sp>
+      <p:sp>
+        <p:nvSpPr>
+          <p:cNvPr id="17" name="TextBox 16">
+            <a:extLst>
+              <a:ext uri="{FF2B5EF4-FFF2-40B4-BE49-F238E27FC236}">
+                <a16:creationId xmlns:a16="http://schemas.microsoft.com/office/drawing/2014/main" id="{6E5E9691-382C-1753-F7A5-38DC0C4B61C6}"/>
+              </a:ext>
+            </a:extLst>
+          </p:cNvPr>
+          <p:cNvSpPr txBox="1"/>
+          <p:nvPr/>
+        </p:nvSpPr>
+        <p:spPr>
+          <a:xfrm>
+            <a:off x="2176477" y="6777444"/>
+            <a:ext cx="790601" cy="246221"/>
+          </a:xfrm>
+          <a:prstGeom prst="rect">
+            <a:avLst/>
+          </a:prstGeom>
+          <a:noFill/>
+          <a:ln>
+            <a:noFill/>
+          </a:ln>
+        </p:spPr>
+        <p:txBody>
+          <a:bodyPr wrap="none" rtlCol="0">
+            <a:spAutoFit/>
+          </a:bodyPr>
+          <a:lstStyle/>
+          <a:p>
+            <a:pPr algn="r"/>
+            <a:r>
+              <a:rPr lang="en-US" sz="1000" b="1" dirty="0">
+                <a:latin typeface="Arial" panose="020B0604020202020204" pitchFamily="34" charset="0"/>
+                <a:cs typeface="Arial" panose="020B0604020202020204" pitchFamily="34" charset="0"/>
+              </a:rPr>
+              <a:t>log RCVM</a:t>
+            </a:r>
+            <a:endParaRPr lang="en-US" sz="1000" b="1" baseline="-25000" dirty="0">
+              <a:latin typeface="Arial" panose="020B0604020202020204" pitchFamily="34" charset="0"/>
+              <a:cs typeface="Arial" panose="020B0604020202020204" pitchFamily="34" charset="0"/>
+            </a:endParaRPr>
+          </a:p>
+        </p:txBody>
+      </p:sp>
+      <p:sp>
+        <p:nvSpPr>
+          <p:cNvPr id="18" name="TextBox 17">
+            <a:extLst>
+              <a:ext uri="{FF2B5EF4-FFF2-40B4-BE49-F238E27FC236}">
+                <a16:creationId xmlns:a16="http://schemas.microsoft.com/office/drawing/2014/main" id="{6A6D02E6-D034-6159-6FC4-22DEA3B950AD}"/>
+              </a:ext>
+            </a:extLst>
+          </p:cNvPr>
+          <p:cNvSpPr txBox="1"/>
+          <p:nvPr/>
+        </p:nvSpPr>
+        <p:spPr>
+          <a:xfrm>
+            <a:off x="3191011" y="4558348"/>
+            <a:ext cx="1066863" cy="246221"/>
+          </a:xfrm>
+          <a:prstGeom prst="rect">
+            <a:avLst/>
+          </a:prstGeom>
+          <a:noFill/>
+          <a:ln>
+            <a:noFill/>
+          </a:ln>
+        </p:spPr>
+        <p:txBody>
+          <a:bodyPr wrap="square" rtlCol="0">
+            <a:spAutoFit/>
+          </a:bodyPr>
+          <a:lstStyle/>
+          <a:p>
+            <a:pPr algn="ctr"/>
+            <a:r>
+              <a:rPr lang="en-US" sz="1000" dirty="0">
+                <a:latin typeface="Arial" panose="020B0604020202020204" pitchFamily="34" charset="0"/>
+                <a:cs typeface="Arial" panose="020B0604020202020204" pitchFamily="34" charset="0"/>
+              </a:rPr>
+              <a:t>Bar graph</a:t>
+            </a:r>
+          </a:p>
+        </p:txBody>
+      </p:sp>
+      <p:sp>
+        <p:nvSpPr>
+          <p:cNvPr id="19" name="TextBox 18">
+            <a:extLst>
+              <a:ext uri="{FF2B5EF4-FFF2-40B4-BE49-F238E27FC236}">
+                <a16:creationId xmlns:a16="http://schemas.microsoft.com/office/drawing/2014/main" id="{7DF2CA43-215F-6004-B107-0F704F53F8C4}"/>
+              </a:ext>
+            </a:extLst>
+          </p:cNvPr>
+          <p:cNvSpPr txBox="1"/>
+          <p:nvPr/>
+        </p:nvSpPr>
+        <p:spPr>
+          <a:xfrm>
+            <a:off x="4605791" y="4558348"/>
+            <a:ext cx="1066863" cy="246221"/>
+          </a:xfrm>
+          <a:prstGeom prst="rect">
+            <a:avLst/>
+          </a:prstGeom>
+          <a:noFill/>
+          <a:ln>
+            <a:noFill/>
+          </a:ln>
+        </p:spPr>
+        <p:txBody>
+          <a:bodyPr wrap="square" rtlCol="0">
+            <a:spAutoFit/>
+          </a:bodyPr>
+          <a:lstStyle/>
+          <a:p>
+            <a:pPr algn="ctr"/>
+            <a:r>
+              <a:rPr lang="en-US" sz="1000" dirty="0">
+                <a:latin typeface="Arial" panose="020B0604020202020204" pitchFamily="34" charset="0"/>
+                <a:cs typeface="Arial" panose="020B0604020202020204" pitchFamily="34" charset="0"/>
+              </a:rPr>
+              <a:t>Mean-and-error </a:t>
+            </a:r>
+          </a:p>
+        </p:txBody>
+      </p:sp>
+      <p:sp>
+        <p:nvSpPr>
+          <p:cNvPr id="20" name="TextBox 19">
+            <a:extLst>
+              <a:ext uri="{FF2B5EF4-FFF2-40B4-BE49-F238E27FC236}">
+                <a16:creationId xmlns:a16="http://schemas.microsoft.com/office/drawing/2014/main" id="{D3218941-4F40-0741-FF74-9557E32069DB}"/>
+              </a:ext>
+            </a:extLst>
+          </p:cNvPr>
+          <p:cNvSpPr txBox="1"/>
+          <p:nvPr/>
+        </p:nvSpPr>
+        <p:spPr>
+          <a:xfrm>
+            <a:off x="3191011" y="4805881"/>
+            <a:ext cx="1066863" cy="246221"/>
+          </a:xfrm>
+          <a:prstGeom prst="rect">
+            <a:avLst/>
+          </a:prstGeom>
+          <a:noFill/>
+          <a:ln>
+            <a:noFill/>
+          </a:ln>
+        </p:spPr>
+        <p:txBody>
+          <a:bodyPr wrap="square" rtlCol="0">
+            <a:spAutoFit/>
+          </a:bodyPr>
+          <a:lstStyle/>
+          <a:p>
+            <a:pPr algn="ctr"/>
+            <a:r>
+              <a:rPr lang="en-US" sz="1000" dirty="0">
+                <a:latin typeface="Arial" panose="020B0604020202020204" pitchFamily="34" charset="0"/>
+                <a:cs typeface="Arial" panose="020B0604020202020204" pitchFamily="34" charset="0"/>
+              </a:rPr>
+              <a:t>Original</a:t>
+            </a:r>
+          </a:p>
+        </p:txBody>
+      </p:sp>
+      <p:sp>
+        <p:nvSpPr>
+          <p:cNvPr id="21" name="TextBox 20">
+            <a:extLst>
+              <a:ext uri="{FF2B5EF4-FFF2-40B4-BE49-F238E27FC236}">
+                <a16:creationId xmlns:a16="http://schemas.microsoft.com/office/drawing/2014/main" id="{8F589D41-4FBC-3FE6-B938-23FF739166D4}"/>
+              </a:ext>
+            </a:extLst>
+          </p:cNvPr>
+          <p:cNvSpPr txBox="1"/>
+          <p:nvPr/>
+        </p:nvSpPr>
+        <p:spPr>
+          <a:xfrm>
+            <a:off x="4605791" y="4805881"/>
+            <a:ext cx="1066863" cy="246221"/>
+          </a:xfrm>
+          <a:prstGeom prst="rect">
+            <a:avLst/>
+          </a:prstGeom>
+          <a:noFill/>
+          <a:ln>
+            <a:noFill/>
+          </a:ln>
+        </p:spPr>
+        <p:txBody>
+          <a:bodyPr wrap="square" rtlCol="0">
+            <a:spAutoFit/>
+          </a:bodyPr>
+          <a:lstStyle/>
+          <a:p>
+            <a:pPr algn="ctr"/>
+            <a:r>
+              <a:rPr lang="en-US" sz="1000" dirty="0">
+                <a:latin typeface="Arial" panose="020B0604020202020204" pitchFamily="34" charset="0"/>
+                <a:cs typeface="Arial" panose="020B0604020202020204" pitchFamily="34" charset="0"/>
+              </a:rPr>
+              <a:t>Original</a:t>
+            </a:r>
+          </a:p>
+        </p:txBody>
+      </p:sp>
+      <p:sp>
+        <p:nvSpPr>
+          <p:cNvPr id="22" name="TextBox 21">
+            <a:extLst>
+              <a:ext uri="{FF2B5EF4-FFF2-40B4-BE49-F238E27FC236}">
+                <a16:creationId xmlns:a16="http://schemas.microsoft.com/office/drawing/2014/main" id="{85D87A38-16B8-A3BB-C66A-E14F38A5CF5C}"/>
+              </a:ext>
+            </a:extLst>
+          </p:cNvPr>
+          <p:cNvSpPr txBox="1"/>
+          <p:nvPr/>
+        </p:nvSpPr>
+        <p:spPr>
+          <a:xfrm>
+            <a:off x="3191011" y="5048973"/>
+            <a:ext cx="1066863" cy="246221"/>
+          </a:xfrm>
+          <a:prstGeom prst="rect">
+            <a:avLst/>
+          </a:prstGeom>
+          <a:noFill/>
+          <a:ln>
+            <a:noFill/>
+          </a:ln>
+        </p:spPr>
+        <p:txBody>
+          <a:bodyPr wrap="square" rtlCol="0">
+            <a:spAutoFit/>
+          </a:bodyPr>
+          <a:lstStyle/>
+          <a:p>
+            <a:pPr algn="ctr"/>
+            <a:r>
+              <a:rPr lang="en-US" sz="1000" dirty="0">
+                <a:latin typeface="Arial" panose="020B0604020202020204" pitchFamily="34" charset="0"/>
+                <a:cs typeface="Arial" panose="020B0604020202020204" pitchFamily="34" charset="0"/>
+              </a:rPr>
+              <a:t>Linear</a:t>
+            </a:r>
+          </a:p>
+        </p:txBody>
+      </p:sp>
+      <p:sp>
+        <p:nvSpPr>
+          <p:cNvPr id="23" name="TextBox 22">
+            <a:extLst>
+              <a:ext uri="{FF2B5EF4-FFF2-40B4-BE49-F238E27FC236}">
+                <a16:creationId xmlns:a16="http://schemas.microsoft.com/office/drawing/2014/main" id="{7A1F1359-8CEE-9638-FA5B-03FC04DF7C97}"/>
+              </a:ext>
+            </a:extLst>
+          </p:cNvPr>
+          <p:cNvSpPr txBox="1"/>
+          <p:nvPr/>
+        </p:nvSpPr>
+        <p:spPr>
+          <a:xfrm>
+            <a:off x="4605791" y="5048973"/>
+            <a:ext cx="1066863" cy="246221"/>
+          </a:xfrm>
+          <a:prstGeom prst="rect">
+            <a:avLst/>
+          </a:prstGeom>
+          <a:noFill/>
+          <a:ln>
+            <a:noFill/>
+          </a:ln>
+        </p:spPr>
+        <p:txBody>
+          <a:bodyPr wrap="square" rtlCol="0">
+            <a:spAutoFit/>
+          </a:bodyPr>
+          <a:lstStyle/>
+          <a:p>
+            <a:pPr algn="ctr"/>
+            <a:r>
+              <a:rPr lang="en-US" sz="1000" dirty="0">
+                <a:latin typeface="Arial" panose="020B0604020202020204" pitchFamily="34" charset="0"/>
+                <a:cs typeface="Arial" panose="020B0604020202020204" pitchFamily="34" charset="0"/>
+              </a:rPr>
+              <a:t>Logarithmic</a:t>
+            </a:r>
+          </a:p>
+        </p:txBody>
+      </p:sp>
+      <p:sp>
+        <p:nvSpPr>
+          <p:cNvPr id="24" name="TextBox 23">
+            <a:extLst>
+              <a:ext uri="{FF2B5EF4-FFF2-40B4-BE49-F238E27FC236}">
+                <a16:creationId xmlns:a16="http://schemas.microsoft.com/office/drawing/2014/main" id="{D2E009A6-B8F9-CD23-E91C-8B32EA0E6102}"/>
+              </a:ext>
+            </a:extLst>
+          </p:cNvPr>
+          <p:cNvSpPr txBox="1"/>
+          <p:nvPr/>
+        </p:nvSpPr>
+        <p:spPr>
+          <a:xfrm>
+            <a:off x="3191011" y="5299796"/>
+            <a:ext cx="1066863" cy="246221"/>
+          </a:xfrm>
+          <a:prstGeom prst="rect">
+            <a:avLst/>
+          </a:prstGeom>
+          <a:noFill/>
+          <a:ln>
+            <a:noFill/>
+          </a:ln>
+        </p:spPr>
+        <p:txBody>
+          <a:bodyPr wrap="square" rtlCol="0">
+            <a:spAutoFit/>
+          </a:bodyPr>
+          <a:lstStyle/>
+          <a:p>
+            <a:pPr algn="ctr"/>
+            <a:r>
+              <a:rPr lang="en-US" sz="1000" dirty="0">
+                <a:latin typeface="Arial" panose="020B0604020202020204" pitchFamily="34" charset="0"/>
+                <a:cs typeface="Arial" panose="020B0604020202020204" pitchFamily="34" charset="0"/>
+              </a:rPr>
+              <a:t>True</a:t>
+            </a:r>
+          </a:p>
+        </p:txBody>
+      </p:sp>
+      <p:sp>
+        <p:nvSpPr>
+          <p:cNvPr id="25" name="TextBox 24">
+            <a:extLst>
+              <a:ext uri="{FF2B5EF4-FFF2-40B4-BE49-F238E27FC236}">
+                <a16:creationId xmlns:a16="http://schemas.microsoft.com/office/drawing/2014/main" id="{DB8F5478-B452-1C43-6110-569BD2D052A6}"/>
+              </a:ext>
+            </a:extLst>
+          </p:cNvPr>
+          <p:cNvSpPr txBox="1"/>
+          <p:nvPr/>
+        </p:nvSpPr>
+        <p:spPr>
+          <a:xfrm>
+            <a:off x="4605791" y="5299796"/>
+            <a:ext cx="1066863" cy="246221"/>
+          </a:xfrm>
+          <a:prstGeom prst="rect">
+            <a:avLst/>
+          </a:prstGeom>
+          <a:noFill/>
+          <a:ln>
+            <a:noFill/>
+          </a:ln>
+        </p:spPr>
+        <p:txBody>
+          <a:bodyPr wrap="square" rtlCol="0">
+            <a:spAutoFit/>
+          </a:bodyPr>
+          <a:lstStyle/>
+          <a:p>
+            <a:pPr algn="ctr"/>
+            <a:r>
+              <a:rPr lang="en-US" sz="1000" dirty="0">
+                <a:latin typeface="Arial" panose="020B0604020202020204" pitchFamily="34" charset="0"/>
+                <a:cs typeface="Arial" panose="020B0604020202020204" pitchFamily="34" charset="0"/>
+              </a:rPr>
+              <a:t>False</a:t>
+            </a:r>
+          </a:p>
+        </p:txBody>
+      </p:sp>
+      <p:sp>
+        <p:nvSpPr>
+          <p:cNvPr id="26" name="TextBox 25">
+            <a:extLst>
+              <a:ext uri="{FF2B5EF4-FFF2-40B4-BE49-F238E27FC236}">
+                <a16:creationId xmlns:a16="http://schemas.microsoft.com/office/drawing/2014/main" id="{1CBE101C-86E6-2C37-B424-D347FC63729F}"/>
               </a:ext>
             </a:extLst>
           </p:cNvPr>
@@ -4330,7 +7892,7 @@
           <p:cNvPr id="27" name="TextBox 26">
             <a:extLst>
               <a:ext uri="{FF2B5EF4-FFF2-40B4-BE49-F238E27FC236}">
-                <a16:creationId xmlns:a16="http://schemas.microsoft.com/office/drawing/2014/main" id="{AFC58E3E-5314-28FE-D608-F093890A2682}"/>
+                <a16:creationId xmlns:a16="http://schemas.microsoft.com/office/drawing/2014/main" id="{A0E44111-1095-77F8-E96D-F336ADE3F6E4}"/>
               </a:ext>
             </a:extLst>
           </p:cNvPr>
@@ -4375,7 +7937,7 @@
           <p:cNvPr id="31" name="TextBox 30">
             <a:extLst>
               <a:ext uri="{FF2B5EF4-FFF2-40B4-BE49-F238E27FC236}">
-                <a16:creationId xmlns:a16="http://schemas.microsoft.com/office/drawing/2014/main" id="{883018CF-B463-AD0E-F915-F098E42711ED}"/>
+                <a16:creationId xmlns:a16="http://schemas.microsoft.com/office/drawing/2014/main" id="{246FE622-A3A2-0B48-C4A7-7EFB8123EDB5}"/>
               </a:ext>
             </a:extLst>
           </p:cNvPr>
@@ -4417,7 +7979,7 @@
           <p:cNvPr id="32" name="TextBox 31">
             <a:extLst>
               <a:ext uri="{FF2B5EF4-FFF2-40B4-BE49-F238E27FC236}">
-                <a16:creationId xmlns:a16="http://schemas.microsoft.com/office/drawing/2014/main" id="{D805F7AF-E1B3-9D78-551F-6D429E1834BF}"/>
+                <a16:creationId xmlns:a16="http://schemas.microsoft.com/office/drawing/2014/main" id="{3E18E079-449E-A259-87ED-29AA7D7EBACA}"/>
               </a:ext>
             </a:extLst>
           </p:cNvPr>
@@ -4459,7 +8021,7 @@
           <p:cNvPr id="33" name="TextBox 32">
             <a:extLst>
               <a:ext uri="{FF2B5EF4-FFF2-40B4-BE49-F238E27FC236}">
-                <a16:creationId xmlns:a16="http://schemas.microsoft.com/office/drawing/2014/main" id="{0BF0EC1A-7CDD-C5D8-84B9-3B1633FD812D}"/>
+                <a16:creationId xmlns:a16="http://schemas.microsoft.com/office/drawing/2014/main" id="{6E806E25-4A3F-7BEA-27BD-D61168CC398B}"/>
               </a:ext>
             </a:extLst>
           </p:cNvPr>
@@ -4501,7 +8063,7 @@
           <p:cNvPr id="34" name="TextBox 33">
             <a:extLst>
               <a:ext uri="{FF2B5EF4-FFF2-40B4-BE49-F238E27FC236}">
-                <a16:creationId xmlns:a16="http://schemas.microsoft.com/office/drawing/2014/main" id="{BCA4C65F-286C-9AC4-EF6D-47D8CDD4DFC7}"/>
+                <a16:creationId xmlns:a16="http://schemas.microsoft.com/office/drawing/2014/main" id="{F5569367-1093-2F28-3337-8B48C68D71EA}"/>
               </a:ext>
             </a:extLst>
           </p:cNvPr>
@@ -4543,7 +8105,7 @@
           <p:cNvPr id="35" name="TextBox 34">
             <a:extLst>
               <a:ext uri="{FF2B5EF4-FFF2-40B4-BE49-F238E27FC236}">
-                <a16:creationId xmlns:a16="http://schemas.microsoft.com/office/drawing/2014/main" id="{25028200-1D15-8DF1-EA88-0651B77009A8}"/>
+                <a16:creationId xmlns:a16="http://schemas.microsoft.com/office/drawing/2014/main" id="{A651A333-B074-8475-76FC-0D05B6BE0654}"/>
               </a:ext>
             </a:extLst>
           </p:cNvPr>
@@ -4589,7 +8151,7 @@
           <p:cNvPr id="36" name="TextBox 35">
             <a:extLst>
               <a:ext uri="{FF2B5EF4-FFF2-40B4-BE49-F238E27FC236}">
-                <a16:creationId xmlns:a16="http://schemas.microsoft.com/office/drawing/2014/main" id="{5FE06422-099E-A51D-9908-48F739F9290A}"/>
+                <a16:creationId xmlns:a16="http://schemas.microsoft.com/office/drawing/2014/main" id="{236C89DF-1A78-7782-1A4A-6ABB4A04E63B}"/>
               </a:ext>
             </a:extLst>
           </p:cNvPr>
@@ -4631,7 +8193,7 @@
           <p:cNvPr id="37" name="TextBox 36">
             <a:extLst>
               <a:ext uri="{FF2B5EF4-FFF2-40B4-BE49-F238E27FC236}">
-                <a16:creationId xmlns:a16="http://schemas.microsoft.com/office/drawing/2014/main" id="{30368F84-3E8F-E973-249D-42F56372B7ED}"/>
+                <a16:creationId xmlns:a16="http://schemas.microsoft.com/office/drawing/2014/main" id="{122C2D64-780A-A6F9-770D-489CA6C620B6}"/>
               </a:ext>
             </a:extLst>
           </p:cNvPr>
@@ -4677,7 +8239,7 @@
           <p:cNvPr id="38" name="TextBox 37">
             <a:extLst>
               <a:ext uri="{FF2B5EF4-FFF2-40B4-BE49-F238E27FC236}">
-                <a16:creationId xmlns:a16="http://schemas.microsoft.com/office/drawing/2014/main" id="{9E4C23CF-7D6D-2E36-127D-748EA758ACE3}"/>
+                <a16:creationId xmlns:a16="http://schemas.microsoft.com/office/drawing/2014/main" id="{9AC00F95-0FE2-A68E-F81C-11D53A7EBD45}"/>
               </a:ext>
             </a:extLst>
           </p:cNvPr>
@@ -4719,7 +8281,7 @@
           <p:cNvPr id="7" name="TextBox 6">
             <a:extLst>
               <a:ext uri="{FF2B5EF4-FFF2-40B4-BE49-F238E27FC236}">
-                <a16:creationId xmlns:a16="http://schemas.microsoft.com/office/drawing/2014/main" id="{A66EE19A-B3F2-FB5D-FCC6-73E571886704}"/>
+                <a16:creationId xmlns:a16="http://schemas.microsoft.com/office/drawing/2014/main" id="{5872BD43-B518-1DF3-4CC2-525DF610E3A4}"/>
               </a:ext>
             </a:extLst>
           </p:cNvPr>
@@ -4761,7 +8323,7 @@
           <p:cNvPr id="10" name="TextBox 9">
             <a:extLst>
               <a:ext uri="{FF2B5EF4-FFF2-40B4-BE49-F238E27FC236}">
-                <a16:creationId xmlns:a16="http://schemas.microsoft.com/office/drawing/2014/main" id="{AD766AF9-1BE5-FFE4-69CC-F6C019AEBDB6}"/>
+                <a16:creationId xmlns:a16="http://schemas.microsoft.com/office/drawing/2014/main" id="{5CA1029F-803A-6020-BA82-BDCCFFC80476}"/>
               </a:ext>
             </a:extLst>
           </p:cNvPr>
@@ -4803,7 +8365,7 @@
           <p:cNvPr id="11" name="TextBox 10">
             <a:extLst>
               <a:ext uri="{FF2B5EF4-FFF2-40B4-BE49-F238E27FC236}">
-                <a16:creationId xmlns:a16="http://schemas.microsoft.com/office/drawing/2014/main" id="{C20ECA47-BDE9-052A-5BC5-58AFB0CB34CC}"/>
+                <a16:creationId xmlns:a16="http://schemas.microsoft.com/office/drawing/2014/main" id="{0794D9F5-9F19-8A46-0259-F61667870318}"/>
               </a:ext>
             </a:extLst>
           </p:cNvPr>
@@ -4845,7 +8407,7 @@
           <p:cNvPr id="28" name="TextBox 27">
             <a:extLst>
               <a:ext uri="{FF2B5EF4-FFF2-40B4-BE49-F238E27FC236}">
-                <a16:creationId xmlns:a16="http://schemas.microsoft.com/office/drawing/2014/main" id="{A6445AAF-81D5-66A7-371C-2117282F66E3}"/>
+                <a16:creationId xmlns:a16="http://schemas.microsoft.com/office/drawing/2014/main" id="{94299D73-0E62-F316-730F-DD54A4971C7D}"/>
               </a:ext>
             </a:extLst>
           </p:cNvPr>
@@ -4887,7 +8449,7 @@
           <p:cNvPr id="29" name="TextBox 28">
             <a:extLst>
               <a:ext uri="{FF2B5EF4-FFF2-40B4-BE49-F238E27FC236}">
-                <a16:creationId xmlns:a16="http://schemas.microsoft.com/office/drawing/2014/main" id="{D03591A9-6017-3942-50DD-AEE54E9AEEC8}"/>
+                <a16:creationId xmlns:a16="http://schemas.microsoft.com/office/drawing/2014/main" id="{ACDC2772-75EE-F6F5-9153-C65C0D5B37E1}"/>
               </a:ext>
             </a:extLst>
           </p:cNvPr>
@@ -4939,7 +8501,7 @@
           <p:cNvPr id="30" name="TextBox 29">
             <a:extLst>
               <a:ext uri="{FF2B5EF4-FFF2-40B4-BE49-F238E27FC236}">
-                <a16:creationId xmlns:a16="http://schemas.microsoft.com/office/drawing/2014/main" id="{C00EA236-935F-EF6C-4ED4-8AF73DE70985}"/>
+                <a16:creationId xmlns:a16="http://schemas.microsoft.com/office/drawing/2014/main" id="{0C9D090D-6BA8-599F-25ED-B219702A7061}"/>
               </a:ext>
             </a:extLst>
           </p:cNvPr>
@@ -4981,7 +8543,7 @@
           <p:cNvPr id="39" name="TextBox 38">
             <a:extLst>
               <a:ext uri="{FF2B5EF4-FFF2-40B4-BE49-F238E27FC236}">
-                <a16:creationId xmlns:a16="http://schemas.microsoft.com/office/drawing/2014/main" id="{97492F51-0387-1CD9-040A-C9D874054716}"/>
+                <a16:creationId xmlns:a16="http://schemas.microsoft.com/office/drawing/2014/main" id="{BE722E61-BC12-DB0E-F08B-9CA2DB3705BF}"/>
               </a:ext>
             </a:extLst>
           </p:cNvPr>
@@ -5023,7 +8585,7 @@
           <p:cNvPr id="40" name="TextBox 39">
             <a:extLst>
               <a:ext uri="{FF2B5EF4-FFF2-40B4-BE49-F238E27FC236}">
-                <a16:creationId xmlns:a16="http://schemas.microsoft.com/office/drawing/2014/main" id="{4558B6B8-8D44-79EC-AACE-B90F1076AD52}"/>
+                <a16:creationId xmlns:a16="http://schemas.microsoft.com/office/drawing/2014/main" id="{EE73FD49-8DE3-89DB-5CC3-ED9C2ED8359C}"/>
               </a:ext>
             </a:extLst>
           </p:cNvPr>
@@ -5069,7 +8631,7 @@
           <p:cNvPr id="41" name="TextBox 40">
             <a:extLst>
               <a:ext uri="{FF2B5EF4-FFF2-40B4-BE49-F238E27FC236}">
-                <a16:creationId xmlns:a16="http://schemas.microsoft.com/office/drawing/2014/main" id="{50450F6F-3F27-1654-7693-7A115666AB73}"/>
+                <a16:creationId xmlns:a16="http://schemas.microsoft.com/office/drawing/2014/main" id="{68C84F1D-53D8-27DC-4A04-427C8C770A37}"/>
               </a:ext>
             </a:extLst>
           </p:cNvPr>
@@ -5115,7 +8677,7 @@
           <p:cNvPr id="42" name="TextBox 41">
             <a:extLst>
               <a:ext uri="{FF2B5EF4-FFF2-40B4-BE49-F238E27FC236}">
-                <a16:creationId xmlns:a16="http://schemas.microsoft.com/office/drawing/2014/main" id="{783904B1-EE41-9317-A74A-36BDE6397A76}"/>
+                <a16:creationId xmlns:a16="http://schemas.microsoft.com/office/drawing/2014/main" id="{39CD020F-2CD1-BF21-A0F1-218003604391}"/>
               </a:ext>
             </a:extLst>
           </p:cNvPr>
@@ -5157,7 +8719,7 @@
           <p:cNvPr id="43" name="TextBox 42">
             <a:extLst>
               <a:ext uri="{FF2B5EF4-FFF2-40B4-BE49-F238E27FC236}">
-                <a16:creationId xmlns:a16="http://schemas.microsoft.com/office/drawing/2014/main" id="{323A3040-AB5D-A613-B519-343604999D1E}"/>
+                <a16:creationId xmlns:a16="http://schemas.microsoft.com/office/drawing/2014/main" id="{089604A1-545B-B873-975A-A69B6011F529}"/>
               </a:ext>
             </a:extLst>
           </p:cNvPr>
@@ -5199,7 +8761,7 @@
           <p:cNvPr id="44" name="TextBox 43">
             <a:extLst>
               <a:ext uri="{FF2B5EF4-FFF2-40B4-BE49-F238E27FC236}">
-                <a16:creationId xmlns:a16="http://schemas.microsoft.com/office/drawing/2014/main" id="{CE4C8653-A69D-415C-946A-581A85353811}"/>
+                <a16:creationId xmlns:a16="http://schemas.microsoft.com/office/drawing/2014/main" id="{50C7EE43-8359-1F1A-A8A9-70F53098B2E1}"/>
               </a:ext>
             </a:extLst>
           </p:cNvPr>
@@ -5241,7 +8803,7 @@
           <p:cNvPr id="45" name="TextBox 44">
             <a:extLst>
               <a:ext uri="{FF2B5EF4-FFF2-40B4-BE49-F238E27FC236}">
-                <a16:creationId xmlns:a16="http://schemas.microsoft.com/office/drawing/2014/main" id="{A583D764-38F7-08CF-87DB-981D8D3ED90C}"/>
+                <a16:creationId xmlns:a16="http://schemas.microsoft.com/office/drawing/2014/main" id="{C2C0DFC7-428F-03B7-DD32-021DD362EFA5}"/>
               </a:ext>
             </a:extLst>
           </p:cNvPr>
@@ -5283,7 +8845,7 @@
           <p:cNvPr id="46" name="TextBox 45">
             <a:extLst>
               <a:ext uri="{FF2B5EF4-FFF2-40B4-BE49-F238E27FC236}">
-                <a16:creationId xmlns:a16="http://schemas.microsoft.com/office/drawing/2014/main" id="{56D0F520-BE6F-A78C-0BA0-511EC6D2095B}"/>
+                <a16:creationId xmlns:a16="http://schemas.microsoft.com/office/drawing/2014/main" id="{8A9E82CA-981F-B129-9A16-42413268B831}"/>
               </a:ext>
             </a:extLst>
           </p:cNvPr>
@@ -5328,7 +8890,7 @@
           <p:cNvPr id="47" name="TextBox 46">
             <a:extLst>
               <a:ext uri="{FF2B5EF4-FFF2-40B4-BE49-F238E27FC236}">
-                <a16:creationId xmlns:a16="http://schemas.microsoft.com/office/drawing/2014/main" id="{4EFAD4B6-AB08-1283-530D-B5E5406C26F0}"/>
+                <a16:creationId xmlns:a16="http://schemas.microsoft.com/office/drawing/2014/main" id="{F57C94FB-5845-FBC3-1B85-1D217BFFE9F7}"/>
               </a:ext>
             </a:extLst>
           </p:cNvPr>
@@ -5370,7 +8932,7 @@
           <p:cNvPr id="48" name="TextBox 47">
             <a:extLst>
               <a:ext uri="{FF2B5EF4-FFF2-40B4-BE49-F238E27FC236}">
-                <a16:creationId xmlns:a16="http://schemas.microsoft.com/office/drawing/2014/main" id="{445C08C1-AFA9-C83C-0DBF-358DAB013BF7}"/>
+                <a16:creationId xmlns:a16="http://schemas.microsoft.com/office/drawing/2014/main" id="{749D0BD2-A84B-EA79-01F2-C468866103E7}"/>
               </a:ext>
             </a:extLst>
           </p:cNvPr>
@@ -5412,7 +8974,7 @@
           <p:cNvPr id="49" name="TextBox 48">
             <a:extLst>
               <a:ext uri="{FF2B5EF4-FFF2-40B4-BE49-F238E27FC236}">
-                <a16:creationId xmlns:a16="http://schemas.microsoft.com/office/drawing/2014/main" id="{71ABC646-235F-2125-2445-A314EBFB10F7}"/>
+                <a16:creationId xmlns:a16="http://schemas.microsoft.com/office/drawing/2014/main" id="{BFDBB77E-4F9C-C90E-A9FA-310B7E718CD7}"/>
               </a:ext>
             </a:extLst>
           </p:cNvPr>
@@ -5454,7 +9016,7 @@
           <p:cNvPr id="50" name="TextBox 49">
             <a:extLst>
               <a:ext uri="{FF2B5EF4-FFF2-40B4-BE49-F238E27FC236}">
-                <a16:creationId xmlns:a16="http://schemas.microsoft.com/office/drawing/2014/main" id="{12361291-2011-5658-A35C-96CC1CD48AF0}"/>
+                <a16:creationId xmlns:a16="http://schemas.microsoft.com/office/drawing/2014/main" id="{E5506AB8-A464-8D4B-5162-03EAB2E8E4AF}"/>
               </a:ext>
             </a:extLst>
           </p:cNvPr>
@@ -5496,7 +9058,7 @@
           <p:cNvPr id="61" name="TextBox 60">
             <a:extLst>
               <a:ext uri="{FF2B5EF4-FFF2-40B4-BE49-F238E27FC236}">
-                <a16:creationId xmlns:a16="http://schemas.microsoft.com/office/drawing/2014/main" id="{1BAFE055-9B49-4F90-073C-4D7B7E7B8D23}"/>
+                <a16:creationId xmlns:a16="http://schemas.microsoft.com/office/drawing/2014/main" id="{F4FF6C22-7095-2045-F356-BAAF94F59F5B}"/>
               </a:ext>
             </a:extLst>
           </p:cNvPr>
@@ -5538,7 +9100,7 @@
           <p:cNvPr id="62" name="TextBox 61">
             <a:extLst>
               <a:ext uri="{FF2B5EF4-FFF2-40B4-BE49-F238E27FC236}">
-                <a16:creationId xmlns:a16="http://schemas.microsoft.com/office/drawing/2014/main" id="{7B23019A-662D-C8DD-DECB-1E5C1D74529A}"/>
+                <a16:creationId xmlns:a16="http://schemas.microsoft.com/office/drawing/2014/main" id="{31D0C9CD-610B-AD91-9ECF-BFDC75024441}"/>
               </a:ext>
             </a:extLst>
           </p:cNvPr>
@@ -5580,7 +9142,7 @@
           <p:cNvPr id="63" name="TextBox 62">
             <a:extLst>
               <a:ext uri="{FF2B5EF4-FFF2-40B4-BE49-F238E27FC236}">
-                <a16:creationId xmlns:a16="http://schemas.microsoft.com/office/drawing/2014/main" id="{B2E2E90B-B63F-5F0D-FD75-7A38F4FC27E6}"/>
+                <a16:creationId xmlns:a16="http://schemas.microsoft.com/office/drawing/2014/main" id="{1EE69545-161B-E4B0-2D81-76EF774660AC}"/>
               </a:ext>
             </a:extLst>
           </p:cNvPr>
@@ -5622,7 +9184,7 @@
           <p:cNvPr id="64" name="TextBox 63">
             <a:extLst>
               <a:ext uri="{FF2B5EF4-FFF2-40B4-BE49-F238E27FC236}">
-                <a16:creationId xmlns:a16="http://schemas.microsoft.com/office/drawing/2014/main" id="{29B86CDA-6EE6-FDC2-3189-E531E300A54E}"/>
+                <a16:creationId xmlns:a16="http://schemas.microsoft.com/office/drawing/2014/main" id="{AF978ED8-7DE4-19E8-AC47-BCF8E138D981}"/>
               </a:ext>
             </a:extLst>
           </p:cNvPr>
@@ -5664,7 +9226,7 @@
           <p:cNvPr id="65" name="TextBox 64">
             <a:extLst>
               <a:ext uri="{FF2B5EF4-FFF2-40B4-BE49-F238E27FC236}">
-                <a16:creationId xmlns:a16="http://schemas.microsoft.com/office/drawing/2014/main" id="{17EBBF58-6E67-EFEB-2CE8-62E74362E7A7}"/>
+                <a16:creationId xmlns:a16="http://schemas.microsoft.com/office/drawing/2014/main" id="{88DC0B2F-3D6E-3597-D648-FB8E924B36CC}"/>
               </a:ext>
             </a:extLst>
           </p:cNvPr>
@@ -5709,7 +9271,7 @@
           <p:cNvPr id="66" name="TextBox 65">
             <a:extLst>
               <a:ext uri="{FF2B5EF4-FFF2-40B4-BE49-F238E27FC236}">
-                <a16:creationId xmlns:a16="http://schemas.microsoft.com/office/drawing/2014/main" id="{F9B3FB25-ED22-49C8-CBBE-35310078C617}"/>
+                <a16:creationId xmlns:a16="http://schemas.microsoft.com/office/drawing/2014/main" id="{32DFE2B6-2DF3-2F83-7A47-7D23919BD478}"/>
               </a:ext>
             </a:extLst>
           </p:cNvPr>
@@ -5751,7 +9313,7 @@
           <p:cNvPr id="67" name="TextBox 66">
             <a:extLst>
               <a:ext uri="{FF2B5EF4-FFF2-40B4-BE49-F238E27FC236}">
-                <a16:creationId xmlns:a16="http://schemas.microsoft.com/office/drawing/2014/main" id="{05A80642-BA35-33C3-A012-A60B4BB424FA}"/>
+                <a16:creationId xmlns:a16="http://schemas.microsoft.com/office/drawing/2014/main" id="{1AD186D7-4442-19F2-9A2C-937AA1B53F0C}"/>
               </a:ext>
             </a:extLst>
           </p:cNvPr>
@@ -5793,7 +9355,7 @@
           <p:cNvPr id="68" name="TextBox 67">
             <a:extLst>
               <a:ext uri="{FF2B5EF4-FFF2-40B4-BE49-F238E27FC236}">
-                <a16:creationId xmlns:a16="http://schemas.microsoft.com/office/drawing/2014/main" id="{35DD07A2-78FC-B7E6-2770-0564C54E3C1F}"/>
+                <a16:creationId xmlns:a16="http://schemas.microsoft.com/office/drawing/2014/main" id="{90FF2402-DA8C-4627-E79B-801CE2323DE8}"/>
               </a:ext>
             </a:extLst>
           </p:cNvPr>
@@ -5835,7 +9397,7 @@
           <p:cNvPr id="69" name="TextBox 68">
             <a:extLst>
               <a:ext uri="{FF2B5EF4-FFF2-40B4-BE49-F238E27FC236}">
-                <a16:creationId xmlns:a16="http://schemas.microsoft.com/office/drawing/2014/main" id="{DC53B881-F5C0-786C-0591-05869AC021A6}"/>
+                <a16:creationId xmlns:a16="http://schemas.microsoft.com/office/drawing/2014/main" id="{E407F9D4-0CDA-A545-0CBD-7AFC1527DCFE}"/>
               </a:ext>
             </a:extLst>
           </p:cNvPr>
@@ -5877,7 +9439,7 @@
           <p:cNvPr id="70" name="TextBox 69">
             <a:extLst>
               <a:ext uri="{FF2B5EF4-FFF2-40B4-BE49-F238E27FC236}">
-                <a16:creationId xmlns:a16="http://schemas.microsoft.com/office/drawing/2014/main" id="{3C7D8780-E5A3-86BD-F6A0-598DB289C7C2}"/>
+                <a16:creationId xmlns:a16="http://schemas.microsoft.com/office/drawing/2014/main" id="{108B0AD3-5C37-FB46-0949-9DBBC32AAD27}"/>
               </a:ext>
             </a:extLst>
           </p:cNvPr>
@@ -5919,7 +9481,7 @@
           <p:cNvPr id="71" name="TextBox 70">
             <a:extLst>
               <a:ext uri="{FF2B5EF4-FFF2-40B4-BE49-F238E27FC236}">
-                <a16:creationId xmlns:a16="http://schemas.microsoft.com/office/drawing/2014/main" id="{8409AC3F-A707-27E8-9CD1-4D953B2E1ADA}"/>
+                <a16:creationId xmlns:a16="http://schemas.microsoft.com/office/drawing/2014/main" id="{98DDE30A-3D0F-612A-9B50-9C62A613B535}"/>
               </a:ext>
             </a:extLst>
           </p:cNvPr>
@@ -5961,7 +9523,7 @@
           <p:cNvPr id="72" name="TextBox 71">
             <a:extLst>
               <a:ext uri="{FF2B5EF4-FFF2-40B4-BE49-F238E27FC236}">
-                <a16:creationId xmlns:a16="http://schemas.microsoft.com/office/drawing/2014/main" id="{331A1301-F9AD-7AC5-749F-24966E96BB7A}"/>
+                <a16:creationId xmlns:a16="http://schemas.microsoft.com/office/drawing/2014/main" id="{15D6D588-6007-A3BB-9D13-C18B43BB016A}"/>
               </a:ext>
             </a:extLst>
           </p:cNvPr>
@@ -6003,7 +9565,7 @@
           <p:cNvPr id="2" name="TextBox 1">
             <a:extLst>
               <a:ext uri="{FF2B5EF4-FFF2-40B4-BE49-F238E27FC236}">
-                <a16:creationId xmlns:a16="http://schemas.microsoft.com/office/drawing/2014/main" id="{56C10BA3-DF10-7340-357A-C36C2FE44C4B}"/>
+                <a16:creationId xmlns:a16="http://schemas.microsoft.com/office/drawing/2014/main" id="{90F4561C-B365-CCD4-51CB-A49EA676BB6B}"/>
               </a:ext>
             </a:extLst>
           </p:cNvPr>
@@ -6045,7 +9607,7 @@
           <p:cNvPr id="51" name="TextBox 50">
             <a:extLst>
               <a:ext uri="{FF2B5EF4-FFF2-40B4-BE49-F238E27FC236}">
-                <a16:creationId xmlns:a16="http://schemas.microsoft.com/office/drawing/2014/main" id="{77447261-C738-9BFE-FEDC-3B3B15534FA4}"/>
+                <a16:creationId xmlns:a16="http://schemas.microsoft.com/office/drawing/2014/main" id="{F3EE974A-1CA9-A9C3-4554-1C3752E07AA7}"/>
               </a:ext>
             </a:extLst>
           </p:cNvPr>
@@ -6087,7 +9649,7 @@
           <p:cNvPr id="52" name="TextBox 51">
             <a:extLst>
               <a:ext uri="{FF2B5EF4-FFF2-40B4-BE49-F238E27FC236}">
-                <a16:creationId xmlns:a16="http://schemas.microsoft.com/office/drawing/2014/main" id="{9CE44E29-B2C6-6CB4-41AE-D99C563F33BB}"/>
+                <a16:creationId xmlns:a16="http://schemas.microsoft.com/office/drawing/2014/main" id="{E4A416EB-12B6-DCD0-94BE-5BB339563304}"/>
               </a:ext>
             </a:extLst>
           </p:cNvPr>
@@ -6129,7 +9691,7 @@
           <p:cNvPr id="53" name="TextBox 52">
             <a:extLst>
               <a:ext uri="{FF2B5EF4-FFF2-40B4-BE49-F238E27FC236}">
-                <a16:creationId xmlns:a16="http://schemas.microsoft.com/office/drawing/2014/main" id="{4C94F53B-C127-DAE1-9E83-EEA7624CA431}"/>
+                <a16:creationId xmlns:a16="http://schemas.microsoft.com/office/drawing/2014/main" id="{0A509710-CDC7-0100-2A20-3B4D546B65B1}"/>
               </a:ext>
             </a:extLst>
           </p:cNvPr>
@@ -6171,7 +9733,7 @@
           <p:cNvPr id="54" name="TextBox 53">
             <a:extLst>
               <a:ext uri="{FF2B5EF4-FFF2-40B4-BE49-F238E27FC236}">
-                <a16:creationId xmlns:a16="http://schemas.microsoft.com/office/drawing/2014/main" id="{C794E1CF-0E53-E677-4763-83D95FA458A2}"/>
+                <a16:creationId xmlns:a16="http://schemas.microsoft.com/office/drawing/2014/main" id="{09C26253-61E9-1E71-4013-7EE53F850028}"/>
               </a:ext>
             </a:extLst>
           </p:cNvPr>
@@ -6216,7 +9778,7 @@
           <p:cNvPr id="55" name="TextBox 54">
             <a:extLst>
               <a:ext uri="{FF2B5EF4-FFF2-40B4-BE49-F238E27FC236}">
-                <a16:creationId xmlns:a16="http://schemas.microsoft.com/office/drawing/2014/main" id="{1B7B729F-2DD2-8E76-B787-B7F08DE6E42F}"/>
+                <a16:creationId xmlns:a16="http://schemas.microsoft.com/office/drawing/2014/main" id="{D95BC8C0-D39E-1CB7-C6FB-7BCC06AF66C0}"/>
               </a:ext>
             </a:extLst>
           </p:cNvPr>
@@ -6258,7 +9820,7 @@
           <p:cNvPr id="56" name="TextBox 55">
             <a:extLst>
               <a:ext uri="{FF2B5EF4-FFF2-40B4-BE49-F238E27FC236}">
-                <a16:creationId xmlns:a16="http://schemas.microsoft.com/office/drawing/2014/main" id="{36C43CA6-4035-D184-C874-36A0A03FBA18}"/>
+                <a16:creationId xmlns:a16="http://schemas.microsoft.com/office/drawing/2014/main" id="{3693722B-62A5-970B-5D47-BD5F6D0D3936}"/>
               </a:ext>
             </a:extLst>
           </p:cNvPr>
@@ -6300,7 +9862,7 @@
           <p:cNvPr id="57" name="TextBox 56">
             <a:extLst>
               <a:ext uri="{FF2B5EF4-FFF2-40B4-BE49-F238E27FC236}">
-                <a16:creationId xmlns:a16="http://schemas.microsoft.com/office/drawing/2014/main" id="{30FE66B5-7142-E3EA-7224-19155C189C4C}"/>
+                <a16:creationId xmlns:a16="http://schemas.microsoft.com/office/drawing/2014/main" id="{2D13A618-0061-0C87-69F4-88AF410FF9C8}"/>
               </a:ext>
             </a:extLst>
           </p:cNvPr>
@@ -6342,7 +9904,7 @@
           <p:cNvPr id="58" name="TextBox 57">
             <a:extLst>
               <a:ext uri="{FF2B5EF4-FFF2-40B4-BE49-F238E27FC236}">
-                <a16:creationId xmlns:a16="http://schemas.microsoft.com/office/drawing/2014/main" id="{9B47D95F-7D5A-B47D-8827-69FAEDEE9970}"/>
+                <a16:creationId xmlns:a16="http://schemas.microsoft.com/office/drawing/2014/main" id="{50E6CF75-BD00-60ED-8BD6-9B2F7E042D40}"/>
               </a:ext>
             </a:extLst>
           </p:cNvPr>
@@ -6384,7 +9946,7 @@
           <p:cNvPr id="59" name="TextBox 58">
             <a:extLst>
               <a:ext uri="{FF2B5EF4-FFF2-40B4-BE49-F238E27FC236}">
-                <a16:creationId xmlns:a16="http://schemas.microsoft.com/office/drawing/2014/main" id="{413501C5-C885-B5CB-63BE-9B0706751392}"/>
+                <a16:creationId xmlns:a16="http://schemas.microsoft.com/office/drawing/2014/main" id="{6AA8741F-7485-B62D-0022-D6ED0F5AF42B}"/>
               </a:ext>
             </a:extLst>
           </p:cNvPr>
@@ -6426,7 +9988,7 @@
           <p:cNvPr id="73" name="TextBox 72">
             <a:extLst>
               <a:ext uri="{FF2B5EF4-FFF2-40B4-BE49-F238E27FC236}">
-                <a16:creationId xmlns:a16="http://schemas.microsoft.com/office/drawing/2014/main" id="{53BDF0F1-DB24-9F5C-F6BE-BAA92A73BD1E}"/>
+                <a16:creationId xmlns:a16="http://schemas.microsoft.com/office/drawing/2014/main" id="{0B862A7C-1E67-6415-5106-49ECE0EDC552}"/>
               </a:ext>
             </a:extLst>
           </p:cNvPr>
@@ -6468,7 +10030,7 @@
           <p:cNvPr id="74" name="TextBox 73">
             <a:extLst>
               <a:ext uri="{FF2B5EF4-FFF2-40B4-BE49-F238E27FC236}">
-                <a16:creationId xmlns:a16="http://schemas.microsoft.com/office/drawing/2014/main" id="{7101A8AA-0510-3460-E1C1-5FA75BDB7DA4}"/>
+                <a16:creationId xmlns:a16="http://schemas.microsoft.com/office/drawing/2014/main" id="{0C5E00CA-9BA2-6AA0-0450-8490E4E68D28}"/>
               </a:ext>
             </a:extLst>
           </p:cNvPr>
@@ -6510,7 +10072,7 @@
           <p:cNvPr id="75" name="TextBox 74">
             <a:extLst>
               <a:ext uri="{FF2B5EF4-FFF2-40B4-BE49-F238E27FC236}">
-                <a16:creationId xmlns:a16="http://schemas.microsoft.com/office/drawing/2014/main" id="{D723CA63-3FCD-446E-49B6-BDEA2B2E187A}"/>
+                <a16:creationId xmlns:a16="http://schemas.microsoft.com/office/drawing/2014/main" id="{EF0C1AEB-3457-4744-942B-17BDDB1FD961}"/>
               </a:ext>
             </a:extLst>
           </p:cNvPr>
@@ -6552,7 +10114,7 @@
           <p:cNvPr id="76" name="TextBox 75">
             <a:extLst>
               <a:ext uri="{FF2B5EF4-FFF2-40B4-BE49-F238E27FC236}">
-                <a16:creationId xmlns:a16="http://schemas.microsoft.com/office/drawing/2014/main" id="{593AD904-4BD2-E347-4041-EA227BCC8AB3}"/>
+                <a16:creationId xmlns:a16="http://schemas.microsoft.com/office/drawing/2014/main" id="{53B46AA6-65B2-0392-8BE8-1FBEDA066F97}"/>
               </a:ext>
             </a:extLst>
           </p:cNvPr>
@@ -6594,7 +10156,7 @@
           <p:cNvPr id="77" name="TextBox 76">
             <a:extLst>
               <a:ext uri="{FF2B5EF4-FFF2-40B4-BE49-F238E27FC236}">
-                <a16:creationId xmlns:a16="http://schemas.microsoft.com/office/drawing/2014/main" id="{B5A071D0-8F7A-49FC-427E-AF6AF589FEFD}"/>
+                <a16:creationId xmlns:a16="http://schemas.microsoft.com/office/drawing/2014/main" id="{D264E299-47E3-6796-DC5F-C7A0422D3886}"/>
               </a:ext>
             </a:extLst>
           </p:cNvPr>
@@ -6636,7 +10198,7 @@
           <p:cNvPr id="78" name="TextBox 77">
             <a:extLst>
               <a:ext uri="{FF2B5EF4-FFF2-40B4-BE49-F238E27FC236}">
-                <a16:creationId xmlns:a16="http://schemas.microsoft.com/office/drawing/2014/main" id="{16AD672D-DC05-1DAD-0AD5-5F383B5E728B}"/>
+                <a16:creationId xmlns:a16="http://schemas.microsoft.com/office/drawing/2014/main" id="{CB8A5405-281F-F4C6-B7E8-C411DEB0CCFA}"/>
               </a:ext>
             </a:extLst>
           </p:cNvPr>
@@ -6678,7 +10240,7 @@
           <p:cNvPr id="79" name="TextBox 78">
             <a:extLst>
               <a:ext uri="{FF2B5EF4-FFF2-40B4-BE49-F238E27FC236}">
-                <a16:creationId xmlns:a16="http://schemas.microsoft.com/office/drawing/2014/main" id="{10EB999B-BD45-D3EE-D75D-CED1E7D6B979}"/>
+                <a16:creationId xmlns:a16="http://schemas.microsoft.com/office/drawing/2014/main" id="{C7236EB0-9B3F-F186-D699-1CDD9953CE39}"/>
               </a:ext>
             </a:extLst>
           </p:cNvPr>
@@ -6718,7 +10280,7 @@
     </p:spTree>
     <p:extLst>
       <p:ext uri="{BB962C8B-B14F-4D97-AF65-F5344CB8AC3E}">
-        <p14:creationId xmlns:p14="http://schemas.microsoft.com/office/powerpoint/2010/main" val="1276920188"/>
+        <p14:creationId xmlns:p14="http://schemas.microsoft.com/office/powerpoint/2010/main" val="2023919797"/>
       </p:ext>
     </p:extLst>
   </p:cSld>
